--- a/suli-poster.pptx
+++ b/suli-poster.pptx
@@ -211,6 +211,33 @@
     </p:ext>
   </p:extLst>
 </p:presentation>
+</file>
+
+<file path=ppt/authors.xml><?xml version="1.0" encoding="utf-8"?>
+<p188:authorLst xmlns:a="http://schemas.openxmlformats.org/drawingml/2006/main" xmlns:r="http://schemas.openxmlformats.org/officeDocument/2006/relationships" xmlns:p188="http://schemas.microsoft.com/office/powerpoint/2018/8/main">
+  <p188:author id="{AD2D006A-A5FE-D279-890A-FC0BC62003E3}" name="Shardul G Rao" initials="SR" userId="S::rao00091@umn.edu::d85bd64a-3b1e-46b5-bb0b-35b3129decf0" providerId="AD"/>
+</p188:authorLst>
+</file>
+
+<file path=ppt/comments/modernComment_107_F5D28FE9.xml><?xml version="1.0" encoding="utf-8"?>
+<p188:cmLst xmlns:a="http://schemas.openxmlformats.org/drawingml/2006/main" xmlns:r="http://schemas.openxmlformats.org/officeDocument/2006/relationships" xmlns:p188="http://schemas.microsoft.com/office/powerpoint/2018/8/main">
+  <p188:cm id="{27A3DE6F-7CBB-47C0-9C4E-67EAE57A45CF}" authorId="{AD2D006A-A5FE-D279-890A-FC0BC62003E3}" created="2024-07-19T19:36:53.491">
+    <pc:sldMkLst xmlns:pc="http://schemas.microsoft.com/office/powerpoint/2013/main/command">
+      <pc:docMk/>
+      <pc:sldMk cId="4124217321" sldId="263"/>
+    </pc:sldMkLst>
+    <p188:txBody>
+      <a:bodyPr/>
+      <a:lstStyle/>
+      <a:p>
+        <a:r>
+          <a:rPr lang="en-US"/>
+          <a:t>This picture will have to be changed</a:t>
+        </a:r>
+      </a:p>
+    </p188:txBody>
+  </p188:cm>
+</p188:cmLst>
 </file>
 
 <file path=ppt/slideLayouts/slideLayout1.xml><?xml version="1.0" encoding="utf-8"?>
@@ -1769,7 +1796,7 @@
           </p:nvPr>
         </p:nvPicPr>
         <p:blipFill>
-          <a:blip r:embed="rId2">
+          <a:blip r:embed="rId3">
             <a:extLst>
               <a:ext uri="{28A0092B-C50C-407E-A947-70E740481C1C}">
                 <a14:useLocalDpi xmlns:a14="http://schemas.microsoft.com/office/drawing/2010/main" val="0"/>
@@ -1783,7 +1810,7 @@
         </p:blipFill>
         <p:spPr>
           <a:xfrm>
-            <a:off x="922776" y="36886421"/>
+            <a:off x="3679715" y="37707015"/>
             <a:ext cx="2042361" cy="1593713"/>
           </a:xfrm>
         </p:spPr>
@@ -1979,10 +2006,10 @@
                 <a:latin typeface="+mj-lt"/>
                 <a:cs typeface="Helvetica"/>
               </a:rPr>
-              <a:t>The Broadband Reflector Experiment for Axion Detection (BREAD) searches for this axion-to-photon conversion</a:t>
-            </a:r>
-            <a:r>
-              <a:rPr lang="en-US" sz="4400" baseline="30000" dirty="0">
+              <a:t>The Broadband Reflector Experiment for Axion Detection (BREAD) searches for this axion-to-photon conversion.</a:t>
+            </a:r>
+            <a:r>
+              <a:rPr lang="en-US" sz="4800" baseline="30000" dirty="0">
                 <a:solidFill>
                   <a:srgbClr val="000000"/>
                 </a:solidFill>
@@ -1999,7 +2026,7 @@
                 <a:latin typeface="+mj-lt"/>
                 <a:cs typeface="Helvetica"/>
               </a:rPr>
-              <a:t>. These converted photons are emitted normal to the inner cylindrical surface, reflected off of the parabolic reflector, reflected again off of the inner cylindrical surface, and focused to a single point. </a:t>
+              <a:t> These converted photons are emitted normal to the inner cylindrical surface, reflected off of the parabolic reflector, reflected again off of the inner cylindrical surface, and focused to a single point. </a:t>
             </a:r>
             <a:r>
               <a:rPr lang="en-US" sz="4400" dirty="0" err="1">
@@ -2058,36 +2085,6 @@
               <a:latin typeface="+mj-lt"/>
               <a:cs typeface="Helvetica"/>
             </a:endParaRPr>
-          </a:p>
-        </p:txBody>
-      </p:sp>
-      <p:sp>
-        <p:nvSpPr>
-          <p:cNvPr id="19" name="Text Placeholder 18"/>
-          <p:cNvSpPr>
-            <a:spLocks noGrp="1"/>
-          </p:cNvSpPr>
-          <p:nvPr>
-            <p:ph type="body" sz="quarter" idx="49"/>
-          </p:nvPr>
-        </p:nvSpPr>
-        <p:spPr>
-          <a:xfrm>
-            <a:off x="15581629" y="29272354"/>
-            <a:ext cx="13735050" cy="1297462"/>
-          </a:xfrm>
-        </p:spPr>
-        <p:txBody>
-          <a:bodyPr/>
-          <a:lstStyle/>
-          <a:p>
-            <a:r>
-              <a:rPr lang="en-US" dirty="0"/>
-              <a:t>Caption Text – Helvetica / Arial Bold 24pt Blue</a:t>
-            </a:r>
-          </a:p>
-          <a:p>
-            <a:endParaRPr lang="en-US" dirty="0"/>
           </a:p>
         </p:txBody>
       </p:sp>
@@ -2124,158 +2121,6 @@
           </a:p>
         </p:txBody>
       </p:sp>
-      <p:pic>
-        <p:nvPicPr>
-          <p:cNvPr id="65" name="Picture Placeholder 64" descr="MINOS result I.jpg"/>
-          <p:cNvPicPr>
-            <a:picLocks noGrp="1" noChangeAspect="1"/>
-          </p:cNvPicPr>
-          <p:nvPr>
-            <p:ph type="pic" sz="quarter" idx="44"/>
-          </p:nvPr>
-        </p:nvPicPr>
-        <p:blipFill>
-          <a:blip r:embed="rId3">
-            <a:extLst>
-              <a:ext uri="{28A0092B-C50C-407E-A947-70E740481C1C}">
-                <a14:useLocalDpi xmlns:a14="http://schemas.microsoft.com/office/drawing/2010/main" val="0"/>
-              </a:ext>
-            </a:extLst>
-          </a:blip>
-          <a:srcRect l="4633" r="4633"/>
-          <a:stretch>
-            <a:fillRect/>
-          </a:stretch>
-        </p:blipFill>
-        <p:spPr>
-          <a:xfrm>
-            <a:off x="16669623" y="21081609"/>
-            <a:ext cx="11435139" cy="8049817"/>
-          </a:xfrm>
-        </p:spPr>
-      </p:pic>
-      <p:grpSp>
-        <p:nvGrpSpPr>
-          <p:cNvPr id="56" name="Group 55"/>
-          <p:cNvGrpSpPr/>
-          <p:nvPr/>
-        </p:nvGrpSpPr>
-        <p:grpSpPr>
-          <a:xfrm>
-            <a:off x="0" y="38703438"/>
-            <a:ext cx="29903583" cy="914400"/>
-            <a:chOff x="481667" y="27506006"/>
-            <a:chExt cx="29903583" cy="914400"/>
-          </a:xfrm>
-        </p:grpSpPr>
-        <p:sp>
-          <p:nvSpPr>
-            <p:cNvPr id="57" name="Rectangle 56"/>
-            <p:cNvSpPr/>
-            <p:nvPr/>
-          </p:nvSpPr>
-          <p:spPr>
-            <a:xfrm>
-              <a:off x="2882026" y="27506006"/>
-              <a:ext cx="27503224" cy="914400"/>
-            </a:xfrm>
-            <a:prstGeom prst="rect">
-              <a:avLst/>
-            </a:prstGeom>
-            <a:solidFill>
-              <a:schemeClr val="bg1">
-                <a:lumMod val="95000"/>
-              </a:schemeClr>
-            </a:solidFill>
-            <a:ln>
-              <a:noFill/>
-            </a:ln>
-          </p:spPr>
-          <p:style>
-            <a:lnRef idx="2">
-              <a:schemeClr val="accent6"/>
-            </a:lnRef>
-            <a:fillRef idx="1">
-              <a:schemeClr val="lt1"/>
-            </a:fillRef>
-            <a:effectRef idx="0">
-              <a:schemeClr val="accent6"/>
-            </a:effectRef>
-            <a:fontRef idx="minor">
-              <a:schemeClr val="dk1"/>
-            </a:fontRef>
-          </p:style>
-          <p:txBody>
-            <a:bodyPr wrap="square">
-              <a:spAutoFit/>
-            </a:bodyPr>
-            <a:lstStyle/>
-            <a:p>
-              <a:r>
-                <a:rPr lang="en-US" sz="2800" b="1" dirty="0">
-                  <a:solidFill>
-                    <a:schemeClr val="accent6"/>
-                  </a:solidFill>
-                  <a:latin typeface="Helvetica"/>
-                  <a:cs typeface="Helvetica"/>
-                </a:rPr>
-                <a:t>Leave a minimum of 1” clear space above the footer</a:t>
-              </a:r>
-              <a:r>
-                <a:rPr lang="en-US" sz="4000" b="1" dirty="0">
-                  <a:solidFill>
-                    <a:schemeClr val="accent6"/>
-                  </a:solidFill>
-                  <a:latin typeface="Helvetica"/>
-                  <a:cs typeface="Helvetica"/>
-                </a:rPr>
-                <a:t>.</a:t>
-              </a:r>
-              <a:endParaRPr lang="en-US" sz="4000" dirty="0">
-                <a:solidFill>
-                  <a:schemeClr val="accent6"/>
-                </a:solidFill>
-              </a:endParaRPr>
-            </a:p>
-          </p:txBody>
-        </p:sp>
-        <p:cxnSp>
-          <p:nvCxnSpPr>
-            <p:cNvPr id="58" name="Straight Arrow Connector 57"/>
-            <p:cNvCxnSpPr/>
-            <p:nvPr/>
-          </p:nvCxnSpPr>
-          <p:spPr>
-            <a:xfrm>
-              <a:off x="481667" y="28072233"/>
-              <a:ext cx="2297728" cy="0"/>
-            </a:xfrm>
-            <a:prstGeom prst="straightConnector1">
-              <a:avLst/>
-            </a:prstGeom>
-            <a:ln w="76200" cmpd="sng">
-              <a:solidFill>
-                <a:schemeClr val="accent6"/>
-              </a:solidFill>
-              <a:tailEnd type="arrow"/>
-            </a:ln>
-          </p:spPr>
-          <p:style>
-            <a:lnRef idx="2">
-              <a:schemeClr val="accent1"/>
-            </a:lnRef>
-            <a:fillRef idx="0">
-              <a:schemeClr val="accent1"/>
-            </a:fillRef>
-            <a:effectRef idx="1">
-              <a:schemeClr val="accent1"/>
-            </a:effectRef>
-            <a:fontRef idx="minor">
-              <a:schemeClr val="tx1"/>
-            </a:fontRef>
-          </p:style>
-        </p:cxnSp>
-      </p:grpSp>
       <p:cxnSp>
         <p:nvCxnSpPr>
           <p:cNvPr id="59" name="Straight Connector 58"/>
@@ -2284,7 +2129,7 @@
         </p:nvCxnSpPr>
         <p:spPr>
           <a:xfrm>
-            <a:off x="933476" y="36417310"/>
+            <a:off x="933476" y="37167587"/>
             <a:ext cx="13755668" cy="0"/>
           </a:xfrm>
           <a:prstGeom prst="line">
@@ -2312,226 +2157,6 @@
           </a:fontRef>
         </p:style>
       </p:cxnSp>
-      <p:grpSp>
-        <p:nvGrpSpPr>
-          <p:cNvPr id="60" name="Group 59"/>
-          <p:cNvGrpSpPr/>
-          <p:nvPr/>
-        </p:nvGrpSpPr>
-        <p:grpSpPr>
-          <a:xfrm>
-            <a:off x="11967003" y="36609915"/>
-            <a:ext cx="3017625" cy="1584478"/>
-            <a:chOff x="11873192" y="29864822"/>
-            <a:chExt cx="3017625" cy="1584478"/>
-          </a:xfrm>
-        </p:grpSpPr>
-        <p:sp>
-          <p:nvSpPr>
-            <p:cNvPr id="61" name="Rectangle 60"/>
-            <p:cNvSpPr/>
-            <p:nvPr/>
-          </p:nvSpPr>
-          <p:spPr>
-            <a:xfrm>
-              <a:off x="11873192" y="29864822"/>
-              <a:ext cx="3017625" cy="1200328"/>
-            </a:xfrm>
-            <a:prstGeom prst="rect">
-              <a:avLst/>
-            </a:prstGeom>
-          </p:spPr>
-          <p:txBody>
-            <a:bodyPr wrap="square">
-              <a:spAutoFit/>
-            </a:bodyPr>
-            <a:lstStyle/>
-            <a:p>
-              <a:r>
-                <a:rPr lang="en-US" sz="2400" b="1" dirty="0">
-                  <a:solidFill>
-                    <a:schemeClr val="accent6"/>
-                  </a:solidFill>
-                  <a:latin typeface="Helvetica"/>
-                  <a:cs typeface="Helvetica"/>
-                </a:rPr>
-                <a:t>This area is designated for logos</a:t>
-              </a:r>
-              <a:endParaRPr lang="en-US" sz="2400" dirty="0">
-                <a:solidFill>
-                  <a:schemeClr val="accent6"/>
-                </a:solidFill>
-              </a:endParaRPr>
-            </a:p>
-          </p:txBody>
-        </p:sp>
-        <p:cxnSp>
-          <p:nvCxnSpPr>
-            <p:cNvPr id="62" name="Straight Arrow Connector 61"/>
-            <p:cNvCxnSpPr/>
-            <p:nvPr/>
-          </p:nvCxnSpPr>
-          <p:spPr>
-            <a:xfrm rot="10800000">
-              <a:off x="11873192" y="31449300"/>
-              <a:ext cx="2297728" cy="0"/>
-            </a:xfrm>
-            <a:prstGeom prst="straightConnector1">
-              <a:avLst/>
-            </a:prstGeom>
-            <a:ln w="76200" cmpd="sng">
-              <a:solidFill>
-                <a:schemeClr val="accent6"/>
-              </a:solidFill>
-              <a:tailEnd type="arrow"/>
-            </a:ln>
-          </p:spPr>
-          <p:style>
-            <a:lnRef idx="2">
-              <a:schemeClr val="accent1"/>
-            </a:lnRef>
-            <a:fillRef idx="0">
-              <a:schemeClr val="accent1"/>
-            </a:fillRef>
-            <a:effectRef idx="1">
-              <a:schemeClr val="accent1"/>
-            </a:effectRef>
-            <a:fontRef idx="minor">
-              <a:schemeClr val="tx1"/>
-            </a:fontRef>
-          </p:style>
-        </p:cxnSp>
-      </p:grpSp>
-      <p:pic>
-        <p:nvPicPr>
-          <p:cNvPr id="64" name="Picture Placeholder 63" descr="Fig3-MassFactSoBWeightedMass-sm.jpg"/>
-          <p:cNvPicPr>
-            <a:picLocks noGrp="1" noChangeAspect="1"/>
-          </p:cNvPicPr>
-          <p:nvPr>
-            <p:ph type="pic" sz="quarter" idx="46"/>
-          </p:nvPr>
-        </p:nvPicPr>
-        <p:blipFill rotWithShape="1">
-          <a:blip r:embed="rId4">
-            <a:extLst>
-              <a:ext uri="{28A0092B-C50C-407E-A947-70E740481C1C}">
-                <a14:useLocalDpi xmlns:a14="http://schemas.microsoft.com/office/drawing/2010/main" val="0"/>
-              </a:ext>
-            </a:extLst>
-          </a:blip>
-          <a:srcRect t="4604" b="4318"/>
-          <a:stretch/>
-        </p:blipFill>
-        <p:spPr>
-          <a:xfrm>
-            <a:off x="15608299" y="8229385"/>
-            <a:ext cx="8898904" cy="7841110"/>
-          </a:xfrm>
-        </p:spPr>
-      </p:pic>
-      <p:sp>
-        <p:nvSpPr>
-          <p:cNvPr id="20" name="Text Placeholder 19"/>
-          <p:cNvSpPr>
-            <a:spLocks noGrp="1"/>
-          </p:cNvSpPr>
-          <p:nvPr>
-            <p:ph type="body" sz="quarter" idx="50"/>
-          </p:nvPr>
-        </p:nvSpPr>
-        <p:spPr>
-          <a:xfrm>
-            <a:off x="15581629" y="16687380"/>
-            <a:ext cx="13761720" cy="4394229"/>
-          </a:xfrm>
-        </p:spPr>
-        <p:txBody>
-          <a:bodyPr/>
-          <a:lstStyle/>
-          <a:p>
-            <a:pPr lvl="0"/>
-            <a:r>
-              <a:rPr lang="en-US" dirty="0">
-                <a:solidFill>
-                  <a:srgbClr val="000000"/>
-                </a:solidFill>
-                <a:latin typeface="Helvetica"/>
-                <a:cs typeface="Helvetica"/>
-              </a:rPr>
-              <a:t>Body text – Helvetica / Arial Regular 40pt / Black</a:t>
-            </a:r>
-          </a:p>
-          <a:p>
-            <a:r>
-              <a:rPr lang="en-US" dirty="0">
-                <a:latin typeface="Helvetica"/>
-                <a:cs typeface="Helvetica"/>
-              </a:rPr>
-              <a:t>This template is to be used as a guide when designing your poster. The layout can be rearranged and elements can be resized within the columns. Overall design should follow this grid with 1 inch gutter and margin.</a:t>
-            </a:r>
-          </a:p>
-          <a:p>
-            <a:endParaRPr lang="en-US" dirty="0"/>
-          </a:p>
-        </p:txBody>
-      </p:sp>
-      <p:sp>
-        <p:nvSpPr>
-          <p:cNvPr id="16" name="Text Placeholder 15"/>
-          <p:cNvSpPr>
-            <a:spLocks noGrp="1"/>
-          </p:cNvSpPr>
-          <p:nvPr>
-            <p:ph type="body" sz="quarter" idx="47"/>
-          </p:nvPr>
-        </p:nvSpPr>
-        <p:spPr>
-          <a:xfrm>
-            <a:off x="24507203" y="8229385"/>
-            <a:ext cx="4931130" cy="6629799"/>
-          </a:xfrm>
-        </p:spPr>
-        <p:txBody>
-          <a:bodyPr/>
-          <a:lstStyle/>
-          <a:p>
-            <a:endParaRPr lang="en-US" dirty="0"/>
-          </a:p>
-        </p:txBody>
-      </p:sp>
-      <p:sp>
-        <p:nvSpPr>
-          <p:cNvPr id="67" name="Text Placeholder 19"/>
-          <p:cNvSpPr>
-            <a:spLocks noGrp="1"/>
-          </p:cNvSpPr>
-          <p:nvPr>
-            <p:ph type="body" sz="quarter" idx="50"/>
-          </p:nvPr>
-        </p:nvSpPr>
-        <p:spPr>
-          <a:xfrm>
-            <a:off x="15581629" y="33159110"/>
-            <a:ext cx="13761720" cy="4394229"/>
-          </a:xfrm>
-        </p:spPr>
-        <p:txBody>
-          <a:bodyPr/>
-          <a:lstStyle/>
-          <a:p>
-            <a:r>
-              <a:rPr lang="en-US" sz="2800" b="1" dirty="0"/>
-              <a:t>[1]</a:t>
-            </a:r>
-            <a:r>
-              <a:rPr lang="en-US" sz="2800" dirty="0"/>
-              <a:t> </a:t>
-            </a:r>
-            <a:endParaRPr lang="en-US" sz="2800" b="1" dirty="0"/>
-          </a:p>
-        </p:txBody>
-      </p:sp>
       <p:sp>
         <p:nvSpPr>
           <p:cNvPr id="32" name="Text Placeholder 8"/>
@@ -2544,7 +2169,7 @@
         </p:nvSpPr>
         <p:spPr>
           <a:xfrm>
-            <a:off x="15581629" y="31729850"/>
+            <a:off x="15550004" y="34115027"/>
             <a:ext cx="13761720" cy="1229584"/>
           </a:xfrm>
         </p:spPr>
@@ -2553,7 +2178,9 @@
           <a:lstStyle/>
           <a:p>
             <a:r>
-              <a:rPr lang="en-US" dirty="0"/>
+              <a:rPr lang="en-US" dirty="0">
+                <a:latin typeface="+mj-lt"/>
+              </a:rPr>
               <a:t>Citations</a:t>
             </a:r>
           </a:p>
@@ -2614,7 +2241,7 @@
         </p:nvSpPr>
         <p:spPr>
           <a:xfrm>
-            <a:off x="1035291" y="27916459"/>
+            <a:off x="1035291" y="27489739"/>
             <a:ext cx="13761720" cy="1229584"/>
           </a:xfrm>
           <a:prstGeom prst="rect">
@@ -2770,7 +2397,7 @@
               <a:rPr lang="en-US" sz="5500" dirty="0">
                 <a:latin typeface="+mj-lt"/>
               </a:rPr>
-              <a:t>Blackbody Calibration Idea</a:t>
+              <a:t>Calibrating SNSPD Using Blackbody Radiation</a:t>
             </a:r>
           </a:p>
         </p:txBody>
@@ -2791,12 +2418,39 @@
             <p:ph type="body" sz="quarter" idx="43"/>
           </p:nvPr>
         </p:nvSpPr>
-        <p:spPr/>
+        <p:spPr>
+          <a:xfrm>
+            <a:off x="15449977" y="37553339"/>
+            <a:ext cx="13761720" cy="1593712"/>
+          </a:xfrm>
+        </p:spPr>
         <p:txBody>
           <a:bodyPr/>
           <a:lstStyle/>
           <a:p>
-            <a:endParaRPr lang="en-US"/>
+            <a:r>
+              <a:rPr lang="en-US" sz="2200" spc="25" dirty="0">
+                <a:effectLst/>
+                <a:latin typeface="+mj-lt"/>
+              </a:rPr>
+              <a:t>This manuscript has been authored by Fermi Research Alliance, LLC under Contract No. DE-AC02-07CH11359 with the U.S. Department of Energy, Office of Science, Office of High Energy Physics. </a:t>
+            </a:r>
+            <a:r>
+              <a:rPr lang="en-US" sz="2200" spc="25" dirty="0">
+                <a:latin typeface="+mj-lt"/>
+              </a:rPr>
+              <a:t>Th</a:t>
+            </a:r>
+            <a:r>
+              <a:rPr lang="en-US" sz="2200" dirty="0">
+                <a:effectLst/>
+                <a:latin typeface="+mj-lt"/>
+              </a:rPr>
+              <a:t>is work was supported in part by the U.S. Department of Energy, Office of Science, Office of Workforce Development for Teachers and Scientists (WDTS) under the Science Undergraduate Laboratory Internships Program (SULI).</a:t>
+            </a:r>
+            <a:endParaRPr lang="en-US" sz="2200" dirty="0">
+              <a:latin typeface="+mj-lt"/>
+            </a:endParaRPr>
           </a:p>
         </p:txBody>
       </p:sp>
@@ -2817,14 +2471,14 @@
           </p:nvPr>
         </p:nvPicPr>
         <p:blipFill rotWithShape="1">
-          <a:blip r:embed="rId5"/>
+          <a:blip r:embed="rId4"/>
           <a:srcRect t="17" b="688"/>
           <a:stretch/>
         </p:blipFill>
         <p:spPr>
           <a:xfrm>
             <a:off x="1148864" y="21346596"/>
-            <a:ext cx="4214872" cy="6259800"/>
+            <a:ext cx="3623428" cy="5381406"/>
           </a:xfrm>
         </p:spPr>
       </p:pic>
@@ -2842,7 +2496,7 @@
         </p:nvSpPr>
         <p:spPr>
           <a:xfrm>
-            <a:off x="6000352" y="22026348"/>
+            <a:off x="5722076" y="21397119"/>
             <a:ext cx="7803407" cy="3539430"/>
           </a:xfrm>
           <a:prstGeom prst="rect">
@@ -2857,46 +2511,1454 @@
           <a:lstStyle/>
           <a:p>
             <a:r>
-              <a:rPr lang="en-US" sz="3200" b="1" dirty="0">
+              <a:rPr lang="en-US" sz="3200" b="1">
                 <a:solidFill>
                   <a:schemeClr val="accent1"/>
                 </a:solidFill>
               </a:rPr>
               <a:t>A cutaway view of the BREAD reflector, which is a parabolic reflector cut in half about its central axis and revolved around another, perpendicular axis. Any photon emitted normal to the inner cylindrical surface gets focused to a singular point after two reflections.</a:t>
+            </a:r>
+            <a:endParaRPr lang="en-US" sz="3200" b="1" dirty="0">
+              <a:solidFill>
+                <a:schemeClr val="accent1"/>
+              </a:solidFill>
+            </a:endParaRPr>
+          </a:p>
+        </p:txBody>
+      </p:sp>
+      <p:pic>
+        <p:nvPicPr>
+          <p:cNvPr id="4" name="Picture Placeholder 3" descr="A diagram of a cylindrical object with text&#10;&#10;Description automatically generated">
+            <a:extLst>
+              <a:ext uri="{FF2B5EF4-FFF2-40B4-BE49-F238E27FC236}">
+                <a16:creationId xmlns:a16="http://schemas.microsoft.com/office/drawing/2014/main" id="{580BB12F-004E-49F4-B0EE-7CB96469C65A}"/>
+              </a:ext>
+            </a:extLst>
+          </p:cNvPr>
+          <p:cNvPicPr>
+            <a:picLocks noGrp="1" noChangeAspect="1"/>
+          </p:cNvPicPr>
+          <p:nvPr>
+            <p:ph type="pic" sz="quarter" idx="22"/>
+          </p:nvPr>
+        </p:nvPicPr>
+        <p:blipFill rotWithShape="1">
+          <a:blip r:embed="rId5"/>
+          <a:srcRect t="-520" b="-148"/>
+          <a:stretch/>
+        </p:blipFill>
+        <p:spPr>
+          <a:xfrm>
+            <a:off x="955551" y="29060554"/>
+            <a:ext cx="6985473" cy="6852188"/>
+          </a:xfrm>
+        </p:spPr>
+      </p:pic>
+      <p:pic>
+        <p:nvPicPr>
+          <p:cNvPr id="11" name="Picture 10" descr="A blue and white logo&#10;&#10;Description automatically generated">
+            <a:extLst>
+              <a:ext uri="{FF2B5EF4-FFF2-40B4-BE49-F238E27FC236}">
+                <a16:creationId xmlns:a16="http://schemas.microsoft.com/office/drawing/2014/main" id="{64EB956F-3F1A-4284-E471-708D10648C66}"/>
+              </a:ext>
+            </a:extLst>
+          </p:cNvPr>
+          <p:cNvPicPr>
+            <a:picLocks noChangeAspect="1"/>
+          </p:cNvPicPr>
+          <p:nvPr/>
+        </p:nvPicPr>
+        <p:blipFill>
+          <a:blip r:embed="rId6"/>
+          <a:stretch>
+            <a:fillRect/>
+          </a:stretch>
+        </p:blipFill>
+        <p:spPr>
+          <a:xfrm>
+            <a:off x="1055578" y="37551372"/>
+            <a:ext cx="1905000" cy="1905000"/>
+          </a:xfrm>
+          <a:prstGeom prst="rect">
+            <a:avLst/>
+          </a:prstGeom>
+        </p:spPr>
+      </p:pic>
+      <p:sp>
+        <p:nvSpPr>
+          <p:cNvPr id="12" name="TextBox 11">
+            <a:extLst>
+              <a:ext uri="{FF2B5EF4-FFF2-40B4-BE49-F238E27FC236}">
+                <a16:creationId xmlns:a16="http://schemas.microsoft.com/office/drawing/2014/main" id="{8CEBCD76-1349-703B-0CCE-783B04F71BD7}"/>
+              </a:ext>
+            </a:extLst>
+          </p:cNvPr>
+          <p:cNvSpPr txBox="1"/>
+          <p:nvPr/>
+        </p:nvSpPr>
+        <p:spPr>
+          <a:xfrm>
+            <a:off x="7941024" y="28944108"/>
+            <a:ext cx="6501807" cy="7478970"/>
+          </a:xfrm>
+          <a:prstGeom prst="rect">
+            <a:avLst/>
+          </a:prstGeom>
+          <a:noFill/>
+        </p:spPr>
+        <p:txBody>
+          <a:bodyPr wrap="square" rtlCol="0">
+            <a:spAutoFit/>
+          </a:bodyPr>
+          <a:lstStyle/>
+          <a:p>
+            <a:r>
+              <a:rPr lang="en-US" sz="3200" b="1" dirty="0">
+                <a:solidFill>
+                  <a:schemeClr val="accent1"/>
+                </a:solidFill>
+              </a:rPr>
+              <a:t>Due to uneven thermal contraction when the detector is cooled to ~0.1K, the true focal spot of the detector may move slightly. </a:t>
+            </a:r>
+          </a:p>
+          <a:p>
+            <a:endParaRPr lang="en-US" sz="3200" b="1" dirty="0">
+              <a:solidFill>
+                <a:schemeClr val="accent1"/>
+              </a:solidFill>
+            </a:endParaRPr>
+          </a:p>
+          <a:p>
+            <a:r>
+              <a:rPr lang="en-US" sz="3200" b="1" dirty="0">
+                <a:solidFill>
+                  <a:schemeClr val="accent1"/>
+                </a:solidFill>
+              </a:rPr>
+              <a:t>A “hot” absorber (~10 K) emits blackbody radiation into the reflector cavity. The SNSPD sits beneath a mount, which blocks blackbody radiation from above from passing through it. </a:t>
+            </a:r>
+          </a:p>
+          <a:p>
+            <a:endParaRPr lang="en-US" sz="3200" b="1" dirty="0">
+              <a:solidFill>
+                <a:schemeClr val="accent1"/>
+              </a:solidFill>
+            </a:endParaRPr>
+          </a:p>
+          <a:p>
+            <a:r>
+              <a:rPr lang="en-US" sz="3200" b="1" dirty="0">
+                <a:solidFill>
+                  <a:schemeClr val="accent1"/>
+                </a:solidFill>
+              </a:rPr>
+              <a:t>Our initial expectation is that the focus should be exactly at location of minimum blackbody photon counts.</a:t>
             </a:r>
           </a:p>
         </p:txBody>
       </p:sp>
       <p:sp>
         <p:nvSpPr>
-          <p:cNvPr id="43" name="Picture Placeholder 42">
+          <p:cNvPr id="26" name="Text Placeholder 8">
             <a:extLst>
               <a:ext uri="{FF2B5EF4-FFF2-40B4-BE49-F238E27FC236}">
-                <a16:creationId xmlns:a16="http://schemas.microsoft.com/office/drawing/2014/main" id="{439CFE7D-D365-5E87-52E5-D6A4DE7A158F}"/>
+                <a16:creationId xmlns:a16="http://schemas.microsoft.com/office/drawing/2014/main" id="{5C94DA46-AD0D-C144-AC9E-1FD90F6CACF9}"/>
               </a:ext>
             </a:extLst>
           </p:cNvPr>
-          <p:cNvSpPr>
-            <a:spLocks noGrp="1"/>
+          <p:cNvSpPr txBox="1">
+            <a:spLocks/>
           </p:cNvSpPr>
-          <p:nvPr>
-            <p:ph type="pic" sz="quarter" idx="22"/>
-          </p:nvPr>
+          <p:nvPr/>
         </p:nvSpPr>
         <p:spPr>
           <a:xfrm>
-            <a:off x="3510601" y="36609915"/>
-            <a:ext cx="2971800" cy="2318981"/>
-          </a:xfrm>
+            <a:off x="15614104" y="7858109"/>
+            <a:ext cx="13761720" cy="1229584"/>
+          </a:xfrm>
+          <a:prstGeom prst="rect">
+            <a:avLst/>
+          </a:prstGeom>
         </p:spPr>
         <p:txBody>
-          <a:bodyPr/>
-          <a:lstStyle/>
-          <a:p>
-            <a:endParaRPr lang="en-US"/>
+          <a:bodyPr vert="horz" anchor="ctr" anchorCtr="0"/>
+          <a:lstStyle>
+            <a:lvl1pPr marL="0" indent="0" algn="l" defTabSz="457200" rtl="0" eaLnBrk="1" latinLnBrk="0" hangingPunct="1">
+              <a:spcBef>
+                <a:spcPct val="20000"/>
+              </a:spcBef>
+              <a:buFontTx/>
+              <a:buNone/>
+              <a:defRPr sz="5000" b="1" i="0" kern="1200" baseline="0">
+                <a:solidFill>
+                  <a:srgbClr val="004C97"/>
+                </a:solidFill>
+                <a:latin typeface="Helvetica"/>
+                <a:ea typeface="+mn-ea"/>
+                <a:cs typeface="+mn-cs"/>
+              </a:defRPr>
+            </a:lvl1pPr>
+            <a:lvl2pPr marL="0" indent="0" algn="l" defTabSz="457200" rtl="0" eaLnBrk="1" latinLnBrk="0" hangingPunct="1">
+              <a:spcBef>
+                <a:spcPct val="20000"/>
+              </a:spcBef>
+              <a:buFontTx/>
+              <a:buNone/>
+              <a:defRPr sz="4000" b="0" i="0" kern="1200" baseline="0">
+                <a:solidFill>
+                  <a:schemeClr val="tx1"/>
+                </a:solidFill>
+                <a:latin typeface="Helvetica"/>
+                <a:ea typeface="+mn-ea"/>
+                <a:cs typeface="+mn-cs"/>
+              </a:defRPr>
+            </a:lvl2pPr>
+            <a:lvl3pPr marL="0" indent="0" algn="l" defTabSz="457200" rtl="0" eaLnBrk="1" latinLnBrk="0" hangingPunct="1">
+              <a:spcBef>
+                <a:spcPct val="20000"/>
+              </a:spcBef>
+              <a:buFontTx/>
+              <a:buNone/>
+              <a:defRPr sz="6000" b="1" i="0" kern="1200" baseline="0">
+                <a:solidFill>
+                  <a:srgbClr val="004C97"/>
+                </a:solidFill>
+                <a:latin typeface="Helvetica"/>
+                <a:ea typeface="+mn-ea"/>
+                <a:cs typeface="+mn-cs"/>
+              </a:defRPr>
+            </a:lvl3pPr>
+            <a:lvl4pPr marL="0" indent="0" algn="l" defTabSz="457200" rtl="0" eaLnBrk="1" latinLnBrk="0" hangingPunct="1">
+              <a:spcBef>
+                <a:spcPct val="20000"/>
+              </a:spcBef>
+              <a:buFontTx/>
+              <a:buNone/>
+              <a:defRPr sz="6000" b="1" i="0" kern="1200" baseline="0">
+                <a:solidFill>
+                  <a:srgbClr val="004C97"/>
+                </a:solidFill>
+                <a:latin typeface="Helvetica"/>
+                <a:ea typeface="+mn-ea"/>
+                <a:cs typeface="+mn-cs"/>
+              </a:defRPr>
+            </a:lvl4pPr>
+            <a:lvl5pPr marL="0" indent="0" algn="l" defTabSz="457200" rtl="0" eaLnBrk="1" latinLnBrk="0" hangingPunct="1">
+              <a:spcBef>
+                <a:spcPct val="20000"/>
+              </a:spcBef>
+              <a:buFontTx/>
+              <a:buNone/>
+              <a:defRPr sz="6000" b="1" i="0" kern="1200" baseline="0">
+                <a:solidFill>
+                  <a:srgbClr val="004C97"/>
+                </a:solidFill>
+                <a:latin typeface="Helvetica"/>
+                <a:ea typeface="+mn-ea"/>
+                <a:cs typeface="+mn-cs"/>
+              </a:defRPr>
+            </a:lvl5pPr>
+            <a:lvl6pPr marL="2514600" indent="-228600" algn="l" defTabSz="457200" rtl="0" eaLnBrk="1" latinLnBrk="0" hangingPunct="1">
+              <a:spcBef>
+                <a:spcPct val="20000"/>
+              </a:spcBef>
+              <a:buFont typeface="Arial"/>
+              <a:buChar char="•"/>
+              <a:defRPr sz="2000" kern="1200">
+                <a:solidFill>
+                  <a:schemeClr val="tx1"/>
+                </a:solidFill>
+                <a:latin typeface="+mn-lt"/>
+                <a:ea typeface="+mn-ea"/>
+                <a:cs typeface="+mn-cs"/>
+              </a:defRPr>
+            </a:lvl6pPr>
+            <a:lvl7pPr marL="2971800" indent="-228600" algn="l" defTabSz="457200" rtl="0" eaLnBrk="1" latinLnBrk="0" hangingPunct="1">
+              <a:spcBef>
+                <a:spcPct val="20000"/>
+              </a:spcBef>
+              <a:buFont typeface="Arial"/>
+              <a:buChar char="•"/>
+              <a:defRPr sz="2000" kern="1200">
+                <a:solidFill>
+                  <a:schemeClr val="tx1"/>
+                </a:solidFill>
+                <a:latin typeface="+mn-lt"/>
+                <a:ea typeface="+mn-ea"/>
+                <a:cs typeface="+mn-cs"/>
+              </a:defRPr>
+            </a:lvl7pPr>
+            <a:lvl8pPr marL="3429000" indent="-228600" algn="l" defTabSz="457200" rtl="0" eaLnBrk="1" latinLnBrk="0" hangingPunct="1">
+              <a:spcBef>
+                <a:spcPct val="20000"/>
+              </a:spcBef>
+              <a:buFont typeface="Arial"/>
+              <a:buChar char="•"/>
+              <a:defRPr sz="2000" kern="1200">
+                <a:solidFill>
+                  <a:schemeClr val="tx1"/>
+                </a:solidFill>
+                <a:latin typeface="+mn-lt"/>
+                <a:ea typeface="+mn-ea"/>
+                <a:cs typeface="+mn-cs"/>
+              </a:defRPr>
+            </a:lvl8pPr>
+            <a:lvl9pPr marL="3886200" indent="-228600" algn="l" defTabSz="457200" rtl="0" eaLnBrk="1" latinLnBrk="0" hangingPunct="1">
+              <a:spcBef>
+                <a:spcPct val="20000"/>
+              </a:spcBef>
+              <a:buFont typeface="Arial"/>
+              <a:buChar char="•"/>
+              <a:defRPr sz="2000" kern="1200">
+                <a:solidFill>
+                  <a:schemeClr val="tx1"/>
+                </a:solidFill>
+                <a:latin typeface="+mn-lt"/>
+                <a:ea typeface="+mn-ea"/>
+                <a:cs typeface="+mn-cs"/>
+              </a:defRPr>
+            </a:lvl9pPr>
+          </a:lstStyle>
+          <a:p>
+            <a:pPr fontAlgn="auto">
+              <a:spcAft>
+                <a:spcPts val="0"/>
+              </a:spcAft>
+            </a:pPr>
+            <a:r>
+              <a:rPr lang="en-US" sz="5500" dirty="0">
+                <a:latin typeface="+mj-lt"/>
+              </a:rPr>
+              <a:t>Varying the Size of the Source and Block</a:t>
+            </a:r>
           </a:p>
         </p:txBody>
       </p:sp>
+      <p:grpSp>
+        <p:nvGrpSpPr>
+          <p:cNvPr id="30" name="Group 29">
+            <a:extLst>
+              <a:ext uri="{FF2B5EF4-FFF2-40B4-BE49-F238E27FC236}">
+                <a16:creationId xmlns:a16="http://schemas.microsoft.com/office/drawing/2014/main" id="{E445873C-82D2-ABFD-FEAF-3E9EB6B6C6FC}"/>
+              </a:ext>
+            </a:extLst>
+          </p:cNvPr>
+          <p:cNvGrpSpPr/>
+          <p:nvPr/>
+        </p:nvGrpSpPr>
+        <p:grpSpPr>
+          <a:xfrm>
+            <a:off x="16020206" y="9301931"/>
+            <a:ext cx="7082031" cy="5931619"/>
+            <a:chOff x="16338763" y="9308382"/>
+            <a:chExt cx="6156960" cy="4822296"/>
+          </a:xfrm>
+        </p:grpSpPr>
+        <p:pic>
+          <p:nvPicPr>
+            <p:cNvPr id="28" name="Picture 27" descr="A graph of a graph with numbers and colored dots&#10;&#10;Description automatically generated with medium confidence">
+              <a:extLst>
+                <a:ext uri="{FF2B5EF4-FFF2-40B4-BE49-F238E27FC236}">
+                  <a16:creationId xmlns:a16="http://schemas.microsoft.com/office/drawing/2014/main" id="{656B5671-18C4-97F2-FCED-EB2BE200B71C}"/>
+                </a:ext>
+              </a:extLst>
+            </p:cNvPr>
+            <p:cNvPicPr>
+              <a:picLocks noChangeAspect="1"/>
+            </p:cNvPicPr>
+            <p:nvPr/>
+          </p:nvPicPr>
+          <p:blipFill>
+            <a:blip r:embed="rId7"/>
+            <a:stretch>
+              <a:fillRect/>
+            </a:stretch>
+          </p:blipFill>
+          <p:spPr>
+            <a:xfrm>
+              <a:off x="16338763" y="9308382"/>
+              <a:ext cx="5852172" cy="4389129"/>
+            </a:xfrm>
+            <a:prstGeom prst="rect">
+              <a:avLst/>
+            </a:prstGeom>
+          </p:spPr>
+        </p:pic>
+        <p:sp>
+          <p:nvSpPr>
+            <p:cNvPr id="29" name="TextBox 28">
+              <a:extLst>
+                <a:ext uri="{FF2B5EF4-FFF2-40B4-BE49-F238E27FC236}">
+                  <a16:creationId xmlns:a16="http://schemas.microsoft.com/office/drawing/2014/main" id="{43F5DBD0-8E18-1205-584D-651777649664}"/>
+                </a:ext>
+              </a:extLst>
+            </p:cNvPr>
+            <p:cNvSpPr txBox="1"/>
+            <p:nvPr/>
+          </p:nvSpPr>
+          <p:spPr>
+            <a:xfrm>
+              <a:off x="16338763" y="13719696"/>
+              <a:ext cx="6156960" cy="410982"/>
+            </a:xfrm>
+            <a:prstGeom prst="rect">
+              <a:avLst/>
+            </a:prstGeom>
+            <a:noFill/>
+          </p:spPr>
+          <p:txBody>
+            <a:bodyPr wrap="square" rtlCol="0">
+              <a:spAutoFit/>
+            </a:bodyPr>
+            <a:lstStyle/>
+            <a:p>
+              <a:pPr algn="ctr"/>
+              <a:r>
+                <a:rPr lang="en-US" sz="2800" dirty="0">
+                  <a:solidFill>
+                    <a:schemeClr val="accent1"/>
+                  </a:solidFill>
+                </a:rPr>
+                <a:t>40 mm radius source, 20mm radius block</a:t>
+              </a:r>
+            </a:p>
+          </p:txBody>
+        </p:sp>
+      </p:grpSp>
+      <p:grpSp>
+        <p:nvGrpSpPr>
+          <p:cNvPr id="31" name="Group 30">
+            <a:extLst>
+              <a:ext uri="{FF2B5EF4-FFF2-40B4-BE49-F238E27FC236}">
+                <a16:creationId xmlns:a16="http://schemas.microsoft.com/office/drawing/2014/main" id="{2B061168-D926-889C-5902-8368FB0F8113}"/>
+              </a:ext>
+            </a:extLst>
+          </p:cNvPr>
+          <p:cNvGrpSpPr/>
+          <p:nvPr/>
+        </p:nvGrpSpPr>
+        <p:grpSpPr>
+          <a:xfrm>
+            <a:off x="23102236" y="9477039"/>
+            <a:ext cx="7082031" cy="5774204"/>
+            <a:chOff x="16338763" y="9450743"/>
+            <a:chExt cx="6156960" cy="4694321"/>
+          </a:xfrm>
+        </p:grpSpPr>
+        <p:pic>
+          <p:nvPicPr>
+            <p:cNvPr id="33" name="Picture 32">
+              <a:extLst>
+                <a:ext uri="{FF2B5EF4-FFF2-40B4-BE49-F238E27FC236}">
+                  <a16:creationId xmlns:a16="http://schemas.microsoft.com/office/drawing/2014/main" id="{053DE570-3AFE-FCCD-F04B-5BEA92185B31}"/>
+                </a:ext>
+              </a:extLst>
+            </p:cNvPr>
+            <p:cNvPicPr>
+              <a:picLocks noChangeAspect="1"/>
+            </p:cNvPicPr>
+            <p:nvPr/>
+          </p:nvPicPr>
+          <p:blipFill>
+            <a:blip r:embed="rId8"/>
+            <a:srcRect/>
+            <a:stretch/>
+          </p:blipFill>
+          <p:spPr>
+            <a:xfrm>
+              <a:off x="16338763" y="9450743"/>
+              <a:ext cx="5852172" cy="4104407"/>
+            </a:xfrm>
+            <a:prstGeom prst="rect">
+              <a:avLst/>
+            </a:prstGeom>
+          </p:spPr>
+        </p:pic>
+        <p:sp>
+          <p:nvSpPr>
+            <p:cNvPr id="34" name="TextBox 33">
+              <a:extLst>
+                <a:ext uri="{FF2B5EF4-FFF2-40B4-BE49-F238E27FC236}">
+                  <a16:creationId xmlns:a16="http://schemas.microsoft.com/office/drawing/2014/main" id="{EFF5E76F-4DE7-D1D4-69B0-17C4C3399D80}"/>
+                </a:ext>
+              </a:extLst>
+            </p:cNvPr>
+            <p:cNvSpPr txBox="1"/>
+            <p:nvPr/>
+          </p:nvSpPr>
+          <p:spPr>
+            <a:xfrm>
+              <a:off x="16338763" y="13719696"/>
+              <a:ext cx="6156960" cy="425368"/>
+            </a:xfrm>
+            <a:prstGeom prst="rect">
+              <a:avLst/>
+            </a:prstGeom>
+            <a:noFill/>
+          </p:spPr>
+          <p:txBody>
+            <a:bodyPr wrap="square" rtlCol="0">
+              <a:spAutoFit/>
+            </a:bodyPr>
+            <a:lstStyle/>
+            <a:p>
+              <a:pPr algn="ctr"/>
+              <a:r>
+                <a:rPr lang="en-US" sz="2800" dirty="0">
+                  <a:solidFill>
+                    <a:schemeClr val="accent1"/>
+                  </a:solidFill>
+                </a:rPr>
+                <a:t>40 mm radius source, 30mm radius block</a:t>
+              </a:r>
+            </a:p>
+          </p:txBody>
+        </p:sp>
+      </p:grpSp>
+      <p:grpSp>
+        <p:nvGrpSpPr>
+          <p:cNvPr id="35" name="Group 34">
+            <a:extLst>
+              <a:ext uri="{FF2B5EF4-FFF2-40B4-BE49-F238E27FC236}">
+                <a16:creationId xmlns:a16="http://schemas.microsoft.com/office/drawing/2014/main" id="{0B5FA5D4-7184-B6EE-4802-25DE16A80975}"/>
+              </a:ext>
+            </a:extLst>
+          </p:cNvPr>
+          <p:cNvGrpSpPr/>
+          <p:nvPr/>
+        </p:nvGrpSpPr>
+        <p:grpSpPr>
+          <a:xfrm>
+            <a:off x="16004966" y="15679719"/>
+            <a:ext cx="7082031" cy="5774204"/>
+            <a:chOff x="16338763" y="9450743"/>
+            <a:chExt cx="6156960" cy="4694321"/>
+          </a:xfrm>
+        </p:grpSpPr>
+        <p:pic>
+          <p:nvPicPr>
+            <p:cNvPr id="38" name="Picture 37">
+              <a:extLst>
+                <a:ext uri="{FF2B5EF4-FFF2-40B4-BE49-F238E27FC236}">
+                  <a16:creationId xmlns:a16="http://schemas.microsoft.com/office/drawing/2014/main" id="{88A154B9-243D-046D-E761-53B6FEA29A08}"/>
+                </a:ext>
+              </a:extLst>
+            </p:cNvPr>
+            <p:cNvPicPr>
+              <a:picLocks noChangeAspect="1"/>
+            </p:cNvPicPr>
+            <p:nvPr/>
+          </p:nvPicPr>
+          <p:blipFill>
+            <a:blip r:embed="rId9"/>
+            <a:srcRect/>
+            <a:stretch/>
+          </p:blipFill>
+          <p:spPr>
+            <a:xfrm>
+              <a:off x="16338763" y="9450743"/>
+              <a:ext cx="5852172" cy="4104407"/>
+            </a:xfrm>
+            <a:prstGeom prst="rect">
+              <a:avLst/>
+            </a:prstGeom>
+          </p:spPr>
+        </p:pic>
+        <p:sp>
+          <p:nvSpPr>
+            <p:cNvPr id="39" name="TextBox 38">
+              <a:extLst>
+                <a:ext uri="{FF2B5EF4-FFF2-40B4-BE49-F238E27FC236}">
+                  <a16:creationId xmlns:a16="http://schemas.microsoft.com/office/drawing/2014/main" id="{2E02069E-62D3-6D5F-4884-4761DCBFC161}"/>
+                </a:ext>
+              </a:extLst>
+            </p:cNvPr>
+            <p:cNvSpPr txBox="1"/>
+            <p:nvPr/>
+          </p:nvSpPr>
+          <p:spPr>
+            <a:xfrm>
+              <a:off x="16338763" y="13719696"/>
+              <a:ext cx="6156960" cy="425368"/>
+            </a:xfrm>
+            <a:prstGeom prst="rect">
+              <a:avLst/>
+            </a:prstGeom>
+            <a:noFill/>
+          </p:spPr>
+          <p:txBody>
+            <a:bodyPr wrap="square" rtlCol="0">
+              <a:spAutoFit/>
+            </a:bodyPr>
+            <a:lstStyle/>
+            <a:p>
+              <a:pPr algn="ctr"/>
+              <a:r>
+                <a:rPr lang="en-US" sz="2800" dirty="0">
+                  <a:solidFill>
+                    <a:schemeClr val="accent1"/>
+                  </a:solidFill>
+                </a:rPr>
+                <a:t>60 mm radius source, 20mm radius block</a:t>
+              </a:r>
+            </a:p>
+          </p:txBody>
+        </p:sp>
+      </p:grpSp>
+      <p:grpSp>
+        <p:nvGrpSpPr>
+          <p:cNvPr id="40" name="Group 39">
+            <a:extLst>
+              <a:ext uri="{FF2B5EF4-FFF2-40B4-BE49-F238E27FC236}">
+                <a16:creationId xmlns:a16="http://schemas.microsoft.com/office/drawing/2014/main" id="{B9DD16C8-9138-C17A-8163-10F21A32AC0A}"/>
+              </a:ext>
+            </a:extLst>
+          </p:cNvPr>
+          <p:cNvGrpSpPr/>
+          <p:nvPr/>
+        </p:nvGrpSpPr>
+        <p:grpSpPr>
+          <a:xfrm>
+            <a:off x="23102237" y="15679719"/>
+            <a:ext cx="7082031" cy="5774204"/>
+            <a:chOff x="16338763" y="9450743"/>
+            <a:chExt cx="6156960" cy="4694321"/>
+          </a:xfrm>
+        </p:grpSpPr>
+        <p:pic>
+          <p:nvPicPr>
+            <p:cNvPr id="41" name="Picture 40">
+              <a:extLst>
+                <a:ext uri="{FF2B5EF4-FFF2-40B4-BE49-F238E27FC236}">
+                  <a16:creationId xmlns:a16="http://schemas.microsoft.com/office/drawing/2014/main" id="{3CFEAFFE-02A0-4704-CE16-E617117200FC}"/>
+                </a:ext>
+              </a:extLst>
+            </p:cNvPr>
+            <p:cNvPicPr>
+              <a:picLocks noChangeAspect="1"/>
+            </p:cNvPicPr>
+            <p:nvPr/>
+          </p:nvPicPr>
+          <p:blipFill>
+            <a:blip r:embed="rId10"/>
+            <a:srcRect/>
+            <a:stretch/>
+          </p:blipFill>
+          <p:spPr>
+            <a:xfrm>
+              <a:off x="16338763" y="9450743"/>
+              <a:ext cx="5852171" cy="4104407"/>
+            </a:xfrm>
+            <a:prstGeom prst="rect">
+              <a:avLst/>
+            </a:prstGeom>
+          </p:spPr>
+        </p:pic>
+        <p:sp>
+          <p:nvSpPr>
+            <p:cNvPr id="42" name="TextBox 41">
+              <a:extLst>
+                <a:ext uri="{FF2B5EF4-FFF2-40B4-BE49-F238E27FC236}">
+                  <a16:creationId xmlns:a16="http://schemas.microsoft.com/office/drawing/2014/main" id="{E4EF013C-F2DE-3826-FAC5-C0E10D7953CC}"/>
+                </a:ext>
+              </a:extLst>
+            </p:cNvPr>
+            <p:cNvSpPr txBox="1"/>
+            <p:nvPr/>
+          </p:nvSpPr>
+          <p:spPr>
+            <a:xfrm>
+              <a:off x="16338763" y="13719696"/>
+              <a:ext cx="6156960" cy="425368"/>
+            </a:xfrm>
+            <a:prstGeom prst="rect">
+              <a:avLst/>
+            </a:prstGeom>
+            <a:noFill/>
+          </p:spPr>
+          <p:txBody>
+            <a:bodyPr wrap="square" rtlCol="0">
+              <a:spAutoFit/>
+            </a:bodyPr>
+            <a:lstStyle/>
+            <a:p>
+              <a:pPr algn="ctr"/>
+              <a:r>
+                <a:rPr lang="en-US" sz="2800" dirty="0">
+                  <a:solidFill>
+                    <a:schemeClr val="accent1"/>
+                  </a:solidFill>
+                </a:rPr>
+                <a:t>60 mm radius source, 30mm radius block</a:t>
+              </a:r>
+            </a:p>
+          </p:txBody>
+        </p:sp>
+      </p:grpSp>
+      <p:grpSp>
+        <p:nvGrpSpPr>
+          <p:cNvPr id="44" name="Group 43">
+            <a:extLst>
+              <a:ext uri="{FF2B5EF4-FFF2-40B4-BE49-F238E27FC236}">
+                <a16:creationId xmlns:a16="http://schemas.microsoft.com/office/drawing/2014/main" id="{873DBE75-A8B8-3A16-E97E-1E346123E4C2}"/>
+              </a:ext>
+            </a:extLst>
+          </p:cNvPr>
+          <p:cNvGrpSpPr/>
+          <p:nvPr/>
+        </p:nvGrpSpPr>
+        <p:grpSpPr>
+          <a:xfrm>
+            <a:off x="16020206" y="21705078"/>
+            <a:ext cx="7082031" cy="5774204"/>
+            <a:chOff x="16338763" y="9450743"/>
+            <a:chExt cx="6156960" cy="4694321"/>
+          </a:xfrm>
+        </p:grpSpPr>
+        <p:pic>
+          <p:nvPicPr>
+            <p:cNvPr id="45" name="Picture 44">
+              <a:extLst>
+                <a:ext uri="{FF2B5EF4-FFF2-40B4-BE49-F238E27FC236}">
+                  <a16:creationId xmlns:a16="http://schemas.microsoft.com/office/drawing/2014/main" id="{5EA9DAF8-35CE-309C-9480-E0D5429EABE6}"/>
+                </a:ext>
+              </a:extLst>
+            </p:cNvPr>
+            <p:cNvPicPr>
+              <a:picLocks noChangeAspect="1"/>
+            </p:cNvPicPr>
+            <p:nvPr/>
+          </p:nvPicPr>
+          <p:blipFill>
+            <a:blip r:embed="rId11"/>
+            <a:srcRect/>
+            <a:stretch/>
+          </p:blipFill>
+          <p:spPr>
+            <a:xfrm>
+              <a:off x="16338763" y="9450743"/>
+              <a:ext cx="5852171" cy="4104407"/>
+            </a:xfrm>
+            <a:prstGeom prst="rect">
+              <a:avLst/>
+            </a:prstGeom>
+          </p:spPr>
+        </p:pic>
+        <p:sp>
+          <p:nvSpPr>
+            <p:cNvPr id="46" name="TextBox 45">
+              <a:extLst>
+                <a:ext uri="{FF2B5EF4-FFF2-40B4-BE49-F238E27FC236}">
+                  <a16:creationId xmlns:a16="http://schemas.microsoft.com/office/drawing/2014/main" id="{D457A164-38FC-E360-C15C-D0221DBA2E57}"/>
+                </a:ext>
+              </a:extLst>
+            </p:cNvPr>
+            <p:cNvSpPr txBox="1"/>
+            <p:nvPr/>
+          </p:nvSpPr>
+          <p:spPr>
+            <a:xfrm>
+              <a:off x="16338763" y="13719696"/>
+              <a:ext cx="6156960" cy="425368"/>
+            </a:xfrm>
+            <a:prstGeom prst="rect">
+              <a:avLst/>
+            </a:prstGeom>
+            <a:noFill/>
+          </p:spPr>
+          <p:txBody>
+            <a:bodyPr wrap="square" rtlCol="0">
+              <a:spAutoFit/>
+            </a:bodyPr>
+            <a:lstStyle/>
+            <a:p>
+              <a:pPr algn="ctr"/>
+              <a:r>
+                <a:rPr lang="en-US" sz="2800" dirty="0">
+                  <a:solidFill>
+                    <a:schemeClr val="accent1"/>
+                  </a:solidFill>
+                </a:rPr>
+                <a:t>80 mm radius source, 14mm radius block</a:t>
+              </a:r>
+            </a:p>
+          </p:txBody>
+        </p:sp>
+      </p:grpSp>
+      <p:sp>
+        <p:nvSpPr>
+          <p:cNvPr id="50" name="Text Placeholder 8">
+            <a:extLst>
+              <a:ext uri="{FF2B5EF4-FFF2-40B4-BE49-F238E27FC236}">
+                <a16:creationId xmlns:a16="http://schemas.microsoft.com/office/drawing/2014/main" id="{C7FF2474-A501-5204-FF1F-BD8FAA08E761}"/>
+              </a:ext>
+            </a:extLst>
+          </p:cNvPr>
+          <p:cNvSpPr txBox="1">
+            <a:spLocks/>
+          </p:cNvSpPr>
+          <p:nvPr/>
+        </p:nvSpPr>
+        <p:spPr>
+          <a:xfrm>
+            <a:off x="15614104" y="28104531"/>
+            <a:ext cx="13761720" cy="1229584"/>
+          </a:xfrm>
+          <a:prstGeom prst="rect">
+            <a:avLst/>
+          </a:prstGeom>
+        </p:spPr>
+        <p:txBody>
+          <a:bodyPr vert="horz" anchor="ctr" anchorCtr="0"/>
+          <a:lstStyle>
+            <a:lvl1pPr marL="0" indent="0" algn="l" defTabSz="457200" rtl="0" eaLnBrk="1" latinLnBrk="0" hangingPunct="1">
+              <a:spcBef>
+                <a:spcPct val="20000"/>
+              </a:spcBef>
+              <a:buFontTx/>
+              <a:buNone/>
+              <a:defRPr sz="5000" b="1" i="0" kern="1200" baseline="0">
+                <a:solidFill>
+                  <a:srgbClr val="004C97"/>
+                </a:solidFill>
+                <a:latin typeface="Helvetica"/>
+                <a:ea typeface="+mn-ea"/>
+                <a:cs typeface="+mn-cs"/>
+              </a:defRPr>
+            </a:lvl1pPr>
+            <a:lvl2pPr marL="0" indent="0" algn="l" defTabSz="457200" rtl="0" eaLnBrk="1" latinLnBrk="0" hangingPunct="1">
+              <a:spcBef>
+                <a:spcPct val="20000"/>
+              </a:spcBef>
+              <a:buFontTx/>
+              <a:buNone/>
+              <a:defRPr sz="4000" b="0" i="0" kern="1200" baseline="0">
+                <a:solidFill>
+                  <a:schemeClr val="tx1"/>
+                </a:solidFill>
+                <a:latin typeface="Helvetica"/>
+                <a:ea typeface="+mn-ea"/>
+                <a:cs typeface="+mn-cs"/>
+              </a:defRPr>
+            </a:lvl2pPr>
+            <a:lvl3pPr marL="0" indent="0" algn="l" defTabSz="457200" rtl="0" eaLnBrk="1" latinLnBrk="0" hangingPunct="1">
+              <a:spcBef>
+                <a:spcPct val="20000"/>
+              </a:spcBef>
+              <a:buFontTx/>
+              <a:buNone/>
+              <a:defRPr sz="6000" b="1" i="0" kern="1200" baseline="0">
+                <a:solidFill>
+                  <a:srgbClr val="004C97"/>
+                </a:solidFill>
+                <a:latin typeface="Helvetica"/>
+                <a:ea typeface="+mn-ea"/>
+                <a:cs typeface="+mn-cs"/>
+              </a:defRPr>
+            </a:lvl3pPr>
+            <a:lvl4pPr marL="0" indent="0" algn="l" defTabSz="457200" rtl="0" eaLnBrk="1" latinLnBrk="0" hangingPunct="1">
+              <a:spcBef>
+                <a:spcPct val="20000"/>
+              </a:spcBef>
+              <a:buFontTx/>
+              <a:buNone/>
+              <a:defRPr sz="6000" b="1" i="0" kern="1200" baseline="0">
+                <a:solidFill>
+                  <a:srgbClr val="004C97"/>
+                </a:solidFill>
+                <a:latin typeface="Helvetica"/>
+                <a:ea typeface="+mn-ea"/>
+                <a:cs typeface="+mn-cs"/>
+              </a:defRPr>
+            </a:lvl4pPr>
+            <a:lvl5pPr marL="0" indent="0" algn="l" defTabSz="457200" rtl="0" eaLnBrk="1" latinLnBrk="0" hangingPunct="1">
+              <a:spcBef>
+                <a:spcPct val="20000"/>
+              </a:spcBef>
+              <a:buFontTx/>
+              <a:buNone/>
+              <a:defRPr sz="6000" b="1" i="0" kern="1200" baseline="0">
+                <a:solidFill>
+                  <a:srgbClr val="004C97"/>
+                </a:solidFill>
+                <a:latin typeface="Helvetica"/>
+                <a:ea typeface="+mn-ea"/>
+                <a:cs typeface="+mn-cs"/>
+              </a:defRPr>
+            </a:lvl5pPr>
+            <a:lvl6pPr marL="2514600" indent="-228600" algn="l" defTabSz="457200" rtl="0" eaLnBrk="1" latinLnBrk="0" hangingPunct="1">
+              <a:spcBef>
+                <a:spcPct val="20000"/>
+              </a:spcBef>
+              <a:buFont typeface="Arial"/>
+              <a:buChar char="•"/>
+              <a:defRPr sz="2000" kern="1200">
+                <a:solidFill>
+                  <a:schemeClr val="tx1"/>
+                </a:solidFill>
+                <a:latin typeface="+mn-lt"/>
+                <a:ea typeface="+mn-ea"/>
+                <a:cs typeface="+mn-cs"/>
+              </a:defRPr>
+            </a:lvl6pPr>
+            <a:lvl7pPr marL="2971800" indent="-228600" algn="l" defTabSz="457200" rtl="0" eaLnBrk="1" latinLnBrk="0" hangingPunct="1">
+              <a:spcBef>
+                <a:spcPct val="20000"/>
+              </a:spcBef>
+              <a:buFont typeface="Arial"/>
+              <a:buChar char="•"/>
+              <a:defRPr sz="2000" kern="1200">
+                <a:solidFill>
+                  <a:schemeClr val="tx1"/>
+                </a:solidFill>
+                <a:latin typeface="+mn-lt"/>
+                <a:ea typeface="+mn-ea"/>
+                <a:cs typeface="+mn-cs"/>
+              </a:defRPr>
+            </a:lvl7pPr>
+            <a:lvl8pPr marL="3429000" indent="-228600" algn="l" defTabSz="457200" rtl="0" eaLnBrk="1" latinLnBrk="0" hangingPunct="1">
+              <a:spcBef>
+                <a:spcPct val="20000"/>
+              </a:spcBef>
+              <a:buFont typeface="Arial"/>
+              <a:buChar char="•"/>
+              <a:defRPr sz="2000" kern="1200">
+                <a:solidFill>
+                  <a:schemeClr val="tx1"/>
+                </a:solidFill>
+                <a:latin typeface="+mn-lt"/>
+                <a:ea typeface="+mn-ea"/>
+                <a:cs typeface="+mn-cs"/>
+              </a:defRPr>
+            </a:lvl8pPr>
+            <a:lvl9pPr marL="3886200" indent="-228600" algn="l" defTabSz="457200" rtl="0" eaLnBrk="1" latinLnBrk="0" hangingPunct="1">
+              <a:spcBef>
+                <a:spcPct val="20000"/>
+              </a:spcBef>
+              <a:buFont typeface="Arial"/>
+              <a:buChar char="•"/>
+              <a:defRPr sz="2000" kern="1200">
+                <a:solidFill>
+                  <a:schemeClr val="tx1"/>
+                </a:solidFill>
+                <a:latin typeface="+mn-lt"/>
+                <a:ea typeface="+mn-ea"/>
+                <a:cs typeface="+mn-cs"/>
+              </a:defRPr>
+            </a:lvl9pPr>
+          </a:lstStyle>
+          <a:p>
+            <a:pPr fontAlgn="auto">
+              <a:spcAft>
+                <a:spcPts val="0"/>
+              </a:spcAft>
+            </a:pPr>
+            <a:r>
+              <a:rPr lang="en-US" sz="5500" dirty="0">
+                <a:latin typeface="+mj-lt"/>
+              </a:rPr>
+              <a:t>Modeling the Size of the Valley</a:t>
+            </a:r>
+          </a:p>
+        </p:txBody>
+      </p:sp>
+      <p:sp>
+        <p:nvSpPr>
+          <p:cNvPr id="53" name="Text Placeholder 8">
+            <a:extLst>
+              <a:ext uri="{FF2B5EF4-FFF2-40B4-BE49-F238E27FC236}">
+                <a16:creationId xmlns:a16="http://schemas.microsoft.com/office/drawing/2014/main" id="{A323A660-9371-0EF9-6C64-106DDC059E35}"/>
+              </a:ext>
+            </a:extLst>
+          </p:cNvPr>
+          <p:cNvSpPr txBox="1">
+            <a:spLocks/>
+          </p:cNvSpPr>
+          <p:nvPr/>
+        </p:nvSpPr>
+        <p:spPr>
+          <a:xfrm>
+            <a:off x="18535415" y="29252991"/>
+            <a:ext cx="3044925" cy="1229584"/>
+          </a:xfrm>
+          <a:prstGeom prst="rect">
+            <a:avLst/>
+          </a:prstGeom>
+        </p:spPr>
+        <p:txBody>
+          <a:bodyPr vert="horz" anchor="ctr" anchorCtr="0"/>
+          <a:lstStyle>
+            <a:lvl1pPr marL="0" indent="0" algn="l" defTabSz="457200" rtl="0" eaLnBrk="1" latinLnBrk="0" hangingPunct="1">
+              <a:spcBef>
+                <a:spcPct val="20000"/>
+              </a:spcBef>
+              <a:buFontTx/>
+              <a:buNone/>
+              <a:defRPr sz="5000" b="1" i="0" kern="1200" baseline="0">
+                <a:solidFill>
+                  <a:srgbClr val="004C97"/>
+                </a:solidFill>
+                <a:latin typeface="Helvetica"/>
+                <a:ea typeface="+mn-ea"/>
+                <a:cs typeface="+mn-cs"/>
+              </a:defRPr>
+            </a:lvl1pPr>
+            <a:lvl2pPr marL="0" indent="0" algn="l" defTabSz="457200" rtl="0" eaLnBrk="1" latinLnBrk="0" hangingPunct="1">
+              <a:spcBef>
+                <a:spcPct val="20000"/>
+              </a:spcBef>
+              <a:buFontTx/>
+              <a:buNone/>
+              <a:defRPr sz="4000" b="0" i="0" kern="1200" baseline="0">
+                <a:solidFill>
+                  <a:schemeClr val="tx1"/>
+                </a:solidFill>
+                <a:latin typeface="Helvetica"/>
+                <a:ea typeface="+mn-ea"/>
+                <a:cs typeface="+mn-cs"/>
+              </a:defRPr>
+            </a:lvl2pPr>
+            <a:lvl3pPr marL="0" indent="0" algn="l" defTabSz="457200" rtl="0" eaLnBrk="1" latinLnBrk="0" hangingPunct="1">
+              <a:spcBef>
+                <a:spcPct val="20000"/>
+              </a:spcBef>
+              <a:buFontTx/>
+              <a:buNone/>
+              <a:defRPr sz="6000" b="1" i="0" kern="1200" baseline="0">
+                <a:solidFill>
+                  <a:srgbClr val="004C97"/>
+                </a:solidFill>
+                <a:latin typeface="Helvetica"/>
+                <a:ea typeface="+mn-ea"/>
+                <a:cs typeface="+mn-cs"/>
+              </a:defRPr>
+            </a:lvl3pPr>
+            <a:lvl4pPr marL="0" indent="0" algn="l" defTabSz="457200" rtl="0" eaLnBrk="1" latinLnBrk="0" hangingPunct="1">
+              <a:spcBef>
+                <a:spcPct val="20000"/>
+              </a:spcBef>
+              <a:buFontTx/>
+              <a:buNone/>
+              <a:defRPr sz="6000" b="1" i="0" kern="1200" baseline="0">
+                <a:solidFill>
+                  <a:srgbClr val="004C97"/>
+                </a:solidFill>
+                <a:latin typeface="Helvetica"/>
+                <a:ea typeface="+mn-ea"/>
+                <a:cs typeface="+mn-cs"/>
+              </a:defRPr>
+            </a:lvl4pPr>
+            <a:lvl5pPr marL="0" indent="0" algn="l" defTabSz="457200" rtl="0" eaLnBrk="1" latinLnBrk="0" hangingPunct="1">
+              <a:spcBef>
+                <a:spcPct val="20000"/>
+              </a:spcBef>
+              <a:buFontTx/>
+              <a:buNone/>
+              <a:defRPr sz="6000" b="1" i="0" kern="1200" baseline="0">
+                <a:solidFill>
+                  <a:srgbClr val="004C97"/>
+                </a:solidFill>
+                <a:latin typeface="Helvetica"/>
+                <a:ea typeface="+mn-ea"/>
+                <a:cs typeface="+mn-cs"/>
+              </a:defRPr>
+            </a:lvl5pPr>
+            <a:lvl6pPr marL="2514600" indent="-228600" algn="l" defTabSz="457200" rtl="0" eaLnBrk="1" latinLnBrk="0" hangingPunct="1">
+              <a:spcBef>
+                <a:spcPct val="20000"/>
+              </a:spcBef>
+              <a:buFont typeface="Arial"/>
+              <a:buChar char="•"/>
+              <a:defRPr sz="2000" kern="1200">
+                <a:solidFill>
+                  <a:schemeClr val="tx1"/>
+                </a:solidFill>
+                <a:latin typeface="+mn-lt"/>
+                <a:ea typeface="+mn-ea"/>
+                <a:cs typeface="+mn-cs"/>
+              </a:defRPr>
+            </a:lvl6pPr>
+            <a:lvl7pPr marL="2971800" indent="-228600" algn="l" defTabSz="457200" rtl="0" eaLnBrk="1" latinLnBrk="0" hangingPunct="1">
+              <a:spcBef>
+                <a:spcPct val="20000"/>
+              </a:spcBef>
+              <a:buFont typeface="Arial"/>
+              <a:buChar char="•"/>
+              <a:defRPr sz="2000" kern="1200">
+                <a:solidFill>
+                  <a:schemeClr val="tx1"/>
+                </a:solidFill>
+                <a:latin typeface="+mn-lt"/>
+                <a:ea typeface="+mn-ea"/>
+                <a:cs typeface="+mn-cs"/>
+              </a:defRPr>
+            </a:lvl7pPr>
+            <a:lvl8pPr marL="3429000" indent="-228600" algn="l" defTabSz="457200" rtl="0" eaLnBrk="1" latinLnBrk="0" hangingPunct="1">
+              <a:spcBef>
+                <a:spcPct val="20000"/>
+              </a:spcBef>
+              <a:buFont typeface="Arial"/>
+              <a:buChar char="•"/>
+              <a:defRPr sz="2000" kern="1200">
+                <a:solidFill>
+                  <a:schemeClr val="tx1"/>
+                </a:solidFill>
+                <a:latin typeface="+mn-lt"/>
+                <a:ea typeface="+mn-ea"/>
+                <a:cs typeface="+mn-cs"/>
+              </a:defRPr>
+            </a:lvl8pPr>
+            <a:lvl9pPr marL="3886200" indent="-228600" algn="l" defTabSz="457200" rtl="0" eaLnBrk="1" latinLnBrk="0" hangingPunct="1">
+              <a:spcBef>
+                <a:spcPct val="20000"/>
+              </a:spcBef>
+              <a:buFont typeface="Arial"/>
+              <a:buChar char="•"/>
+              <a:defRPr sz="2000" kern="1200">
+                <a:solidFill>
+                  <a:schemeClr val="tx1"/>
+                </a:solidFill>
+                <a:latin typeface="+mn-lt"/>
+                <a:ea typeface="+mn-ea"/>
+                <a:cs typeface="+mn-cs"/>
+              </a:defRPr>
+            </a:lvl9pPr>
+          </a:lstStyle>
+          <a:p>
+            <a:pPr fontAlgn="auto">
+              <a:spcAft>
+                <a:spcPts val="0"/>
+              </a:spcAft>
+            </a:pPr>
+            <a:r>
+              <a:rPr lang="en-US" sz="3600" dirty="0">
+                <a:latin typeface="+mj-lt"/>
+              </a:rPr>
+              <a:t>Prediction </a:t>
+            </a:r>
+          </a:p>
+        </p:txBody>
+      </p:sp>
+      <p:pic>
+        <p:nvPicPr>
+          <p:cNvPr id="55" name="Picture 54" descr="A white paper with writing on it&#10;&#10;Description automatically generated">
+            <a:extLst>
+              <a:ext uri="{FF2B5EF4-FFF2-40B4-BE49-F238E27FC236}">
+                <a16:creationId xmlns:a16="http://schemas.microsoft.com/office/drawing/2014/main" id="{6BE7B776-8E50-EFFD-A8C6-F040BBB3836E}"/>
+              </a:ext>
+            </a:extLst>
+          </p:cNvPr>
+          <p:cNvPicPr>
+            <a:picLocks noChangeAspect="1"/>
+          </p:cNvPicPr>
+          <p:nvPr/>
+        </p:nvPicPr>
+        <p:blipFill>
+          <a:blip r:embed="rId12"/>
+          <a:stretch>
+            <a:fillRect/>
+          </a:stretch>
+        </p:blipFill>
+        <p:spPr>
+          <a:xfrm>
+            <a:off x="16516930" y="30444107"/>
+            <a:ext cx="6678737" cy="2073853"/>
+          </a:xfrm>
+          <a:prstGeom prst="rect">
+            <a:avLst/>
+          </a:prstGeom>
+        </p:spPr>
+      </p:pic>
+      <p:sp>
+        <p:nvSpPr>
+          <p:cNvPr id="63" name="TextBox 62">
+            <a:extLst>
+              <a:ext uri="{FF2B5EF4-FFF2-40B4-BE49-F238E27FC236}">
+                <a16:creationId xmlns:a16="http://schemas.microsoft.com/office/drawing/2014/main" id="{BB45E180-E4F0-B8A0-6E1D-6AE9EFF112A3}"/>
+              </a:ext>
+            </a:extLst>
+          </p:cNvPr>
+          <p:cNvSpPr txBox="1"/>
+          <p:nvPr/>
+        </p:nvSpPr>
+        <p:spPr>
+          <a:xfrm>
+            <a:off x="16511383" y="30358544"/>
+            <a:ext cx="6678737" cy="1200329"/>
+          </a:xfrm>
+          <a:prstGeom prst="rect">
+            <a:avLst/>
+          </a:prstGeom>
+          <a:noFill/>
+        </p:spPr>
+        <p:txBody>
+          <a:bodyPr wrap="square" rtlCol="0">
+            <a:spAutoFit/>
+          </a:bodyPr>
+          <a:lstStyle/>
+          <a:p>
+            <a:r>
+              <a:rPr lang="en-US" sz="3600" dirty="0"/>
+              <a:t>I’m going to make this into a nice digital image</a:t>
+            </a:r>
+          </a:p>
+        </p:txBody>
+      </p:sp>
+      <p:sp>
+        <p:nvSpPr>
+          <p:cNvPr id="71" name="Text Placeholder 8">
+            <a:extLst>
+              <a:ext uri="{FF2B5EF4-FFF2-40B4-BE49-F238E27FC236}">
+                <a16:creationId xmlns:a16="http://schemas.microsoft.com/office/drawing/2014/main" id="{5011CF31-B9A9-DD03-7269-E479448DFC3C}"/>
+              </a:ext>
+            </a:extLst>
+          </p:cNvPr>
+          <p:cNvSpPr txBox="1">
+            <a:spLocks/>
+          </p:cNvSpPr>
+          <p:nvPr/>
+        </p:nvSpPr>
+        <p:spPr>
+          <a:xfrm>
+            <a:off x="25415393" y="29130500"/>
+            <a:ext cx="3044925" cy="1229584"/>
+          </a:xfrm>
+          <a:prstGeom prst="rect">
+            <a:avLst/>
+          </a:prstGeom>
+        </p:spPr>
+        <p:txBody>
+          <a:bodyPr vert="horz" anchor="ctr" anchorCtr="0"/>
+          <a:lstStyle>
+            <a:lvl1pPr marL="0" indent="0" algn="l" defTabSz="457200" rtl="0" eaLnBrk="1" latinLnBrk="0" hangingPunct="1">
+              <a:spcBef>
+                <a:spcPct val="20000"/>
+              </a:spcBef>
+              <a:buFontTx/>
+              <a:buNone/>
+              <a:defRPr sz="5000" b="1" i="0" kern="1200" baseline="0">
+                <a:solidFill>
+                  <a:srgbClr val="004C97"/>
+                </a:solidFill>
+                <a:latin typeface="Helvetica"/>
+                <a:ea typeface="+mn-ea"/>
+                <a:cs typeface="+mn-cs"/>
+              </a:defRPr>
+            </a:lvl1pPr>
+            <a:lvl2pPr marL="0" indent="0" algn="l" defTabSz="457200" rtl="0" eaLnBrk="1" latinLnBrk="0" hangingPunct="1">
+              <a:spcBef>
+                <a:spcPct val="20000"/>
+              </a:spcBef>
+              <a:buFontTx/>
+              <a:buNone/>
+              <a:defRPr sz="4000" b="0" i="0" kern="1200" baseline="0">
+                <a:solidFill>
+                  <a:schemeClr val="tx1"/>
+                </a:solidFill>
+                <a:latin typeface="Helvetica"/>
+                <a:ea typeface="+mn-ea"/>
+                <a:cs typeface="+mn-cs"/>
+              </a:defRPr>
+            </a:lvl2pPr>
+            <a:lvl3pPr marL="0" indent="0" algn="l" defTabSz="457200" rtl="0" eaLnBrk="1" latinLnBrk="0" hangingPunct="1">
+              <a:spcBef>
+                <a:spcPct val="20000"/>
+              </a:spcBef>
+              <a:buFontTx/>
+              <a:buNone/>
+              <a:defRPr sz="6000" b="1" i="0" kern="1200" baseline="0">
+                <a:solidFill>
+                  <a:srgbClr val="004C97"/>
+                </a:solidFill>
+                <a:latin typeface="Helvetica"/>
+                <a:ea typeface="+mn-ea"/>
+                <a:cs typeface="+mn-cs"/>
+              </a:defRPr>
+            </a:lvl3pPr>
+            <a:lvl4pPr marL="0" indent="0" algn="l" defTabSz="457200" rtl="0" eaLnBrk="1" latinLnBrk="0" hangingPunct="1">
+              <a:spcBef>
+                <a:spcPct val="20000"/>
+              </a:spcBef>
+              <a:buFontTx/>
+              <a:buNone/>
+              <a:defRPr sz="6000" b="1" i="0" kern="1200" baseline="0">
+                <a:solidFill>
+                  <a:srgbClr val="004C97"/>
+                </a:solidFill>
+                <a:latin typeface="Helvetica"/>
+                <a:ea typeface="+mn-ea"/>
+                <a:cs typeface="+mn-cs"/>
+              </a:defRPr>
+            </a:lvl4pPr>
+            <a:lvl5pPr marL="0" indent="0" algn="l" defTabSz="457200" rtl="0" eaLnBrk="1" latinLnBrk="0" hangingPunct="1">
+              <a:spcBef>
+                <a:spcPct val="20000"/>
+              </a:spcBef>
+              <a:buFontTx/>
+              <a:buNone/>
+              <a:defRPr sz="6000" b="1" i="0" kern="1200" baseline="0">
+                <a:solidFill>
+                  <a:srgbClr val="004C97"/>
+                </a:solidFill>
+                <a:latin typeface="Helvetica"/>
+                <a:ea typeface="+mn-ea"/>
+                <a:cs typeface="+mn-cs"/>
+              </a:defRPr>
+            </a:lvl5pPr>
+            <a:lvl6pPr marL="2514600" indent="-228600" algn="l" defTabSz="457200" rtl="0" eaLnBrk="1" latinLnBrk="0" hangingPunct="1">
+              <a:spcBef>
+                <a:spcPct val="20000"/>
+              </a:spcBef>
+              <a:buFont typeface="Arial"/>
+              <a:buChar char="•"/>
+              <a:defRPr sz="2000" kern="1200">
+                <a:solidFill>
+                  <a:schemeClr val="tx1"/>
+                </a:solidFill>
+                <a:latin typeface="+mn-lt"/>
+                <a:ea typeface="+mn-ea"/>
+                <a:cs typeface="+mn-cs"/>
+              </a:defRPr>
+            </a:lvl6pPr>
+            <a:lvl7pPr marL="2971800" indent="-228600" algn="l" defTabSz="457200" rtl="0" eaLnBrk="1" latinLnBrk="0" hangingPunct="1">
+              <a:spcBef>
+                <a:spcPct val="20000"/>
+              </a:spcBef>
+              <a:buFont typeface="Arial"/>
+              <a:buChar char="•"/>
+              <a:defRPr sz="2000" kern="1200">
+                <a:solidFill>
+                  <a:schemeClr val="tx1"/>
+                </a:solidFill>
+                <a:latin typeface="+mn-lt"/>
+                <a:ea typeface="+mn-ea"/>
+                <a:cs typeface="+mn-cs"/>
+              </a:defRPr>
+            </a:lvl7pPr>
+            <a:lvl8pPr marL="3429000" indent="-228600" algn="l" defTabSz="457200" rtl="0" eaLnBrk="1" latinLnBrk="0" hangingPunct="1">
+              <a:spcBef>
+                <a:spcPct val="20000"/>
+              </a:spcBef>
+              <a:buFont typeface="Arial"/>
+              <a:buChar char="•"/>
+              <a:defRPr sz="2000" kern="1200">
+                <a:solidFill>
+                  <a:schemeClr val="tx1"/>
+                </a:solidFill>
+                <a:latin typeface="+mn-lt"/>
+                <a:ea typeface="+mn-ea"/>
+                <a:cs typeface="+mn-cs"/>
+              </a:defRPr>
+            </a:lvl8pPr>
+            <a:lvl9pPr marL="3886200" indent="-228600" algn="l" defTabSz="457200" rtl="0" eaLnBrk="1" latinLnBrk="0" hangingPunct="1">
+              <a:spcBef>
+                <a:spcPct val="20000"/>
+              </a:spcBef>
+              <a:buFont typeface="Arial"/>
+              <a:buChar char="•"/>
+              <a:defRPr sz="2000" kern="1200">
+                <a:solidFill>
+                  <a:schemeClr val="tx1"/>
+                </a:solidFill>
+                <a:latin typeface="+mn-lt"/>
+                <a:ea typeface="+mn-ea"/>
+                <a:cs typeface="+mn-cs"/>
+              </a:defRPr>
+            </a:lvl9pPr>
+          </a:lstStyle>
+          <a:p>
+            <a:pPr fontAlgn="auto">
+              <a:spcAft>
+                <a:spcPts val="0"/>
+              </a:spcAft>
+            </a:pPr>
+            <a:r>
+              <a:rPr lang="en-US" sz="3600" dirty="0">
+                <a:latin typeface="+mj-lt"/>
+              </a:rPr>
+              <a:t>Observation</a:t>
+            </a:r>
+          </a:p>
+        </p:txBody>
+      </p:sp>
+      <p:sp>
+        <p:nvSpPr>
+          <p:cNvPr id="72" name="TextBox 71">
+            <a:extLst>
+              <a:ext uri="{FF2B5EF4-FFF2-40B4-BE49-F238E27FC236}">
+                <a16:creationId xmlns:a16="http://schemas.microsoft.com/office/drawing/2014/main" id="{5ED86A0F-87CF-25AB-26DE-F21A204421A1}"/>
+              </a:ext>
+            </a:extLst>
+          </p:cNvPr>
+          <p:cNvSpPr txBox="1"/>
+          <p:nvPr/>
+        </p:nvSpPr>
+        <p:spPr>
+          <a:xfrm>
+            <a:off x="16172637" y="32918659"/>
+            <a:ext cx="13828719" cy="523220"/>
+          </a:xfrm>
+          <a:prstGeom prst="rect">
+            <a:avLst/>
+          </a:prstGeom>
+          <a:noFill/>
+        </p:spPr>
+        <p:txBody>
+          <a:bodyPr wrap="square" rtlCol="0">
+            <a:spAutoFit/>
+          </a:bodyPr>
+          <a:lstStyle/>
+          <a:p>
+            <a:pPr algn="ctr"/>
+            <a:r>
+              <a:rPr lang="en-US" sz="2800" dirty="0">
+                <a:solidFill>
+                  <a:schemeClr val="accent1"/>
+                </a:solidFill>
+              </a:rPr>
+              <a:t>Data supports revised prediction of </a:t>
+            </a:r>
+            <a:r>
+              <a:rPr lang="en-US" sz="2800" b="1" dirty="0">
+                <a:solidFill>
+                  <a:schemeClr val="accent1"/>
+                </a:solidFill>
+              </a:rPr>
+              <a:t>(Top of Valley) = (Predicted Top) – 6mm</a:t>
+            </a:r>
+          </a:p>
+        </p:txBody>
+      </p:sp>
+      <p:pic>
+        <p:nvPicPr>
+          <p:cNvPr id="76" name="Picture 75" descr="A table with numbers and symbols&#10;&#10;Description automatically generated">
+            <a:extLst>
+              <a:ext uri="{FF2B5EF4-FFF2-40B4-BE49-F238E27FC236}">
+                <a16:creationId xmlns:a16="http://schemas.microsoft.com/office/drawing/2014/main" id="{8F8396ED-FA61-0E26-73A0-E6EBDAAB4846}"/>
+              </a:ext>
+            </a:extLst>
+          </p:cNvPr>
+          <p:cNvPicPr>
+            <a:picLocks noChangeAspect="1"/>
+          </p:cNvPicPr>
+          <p:nvPr/>
+        </p:nvPicPr>
+        <p:blipFill>
+          <a:blip r:embed="rId13"/>
+          <a:stretch>
+            <a:fillRect/>
+          </a:stretch>
+        </p:blipFill>
+        <p:spPr>
+          <a:xfrm>
+            <a:off x="23691494" y="30139192"/>
+            <a:ext cx="5903513" cy="2544401"/>
+          </a:xfrm>
+          <a:prstGeom prst="rect">
+            <a:avLst/>
+          </a:prstGeom>
+        </p:spPr>
+      </p:pic>
     </p:spTree>
     <p:extLst>
       <p:ext uri="{BB962C8B-B14F-4D97-AF65-F5344CB8AC3E}">
@@ -2907,6 +3969,11 @@
   <p:clrMapOvr>
     <a:masterClrMapping/>
   </p:clrMapOvr>
+  <p:extLst>
+    <p:ext uri="{6950BFC3-D8DA-4A85-94F7-54DA5524770B}">
+      <p188:commentRel xmlns:p188="http://schemas.microsoft.com/office/powerpoint/2018/8/main" r:id="rId2"/>
+    </p:ext>
+  </p:extLst>
 </p:sld>
 </file>
 

--- a/suli-poster.pptx
+++ b/suli-poster.pptx
@@ -1435,14 +1435,14 @@
           </a:ln>
           <a:extLst>
             <a:ext uri="{909E8E84-426E-40dd-AFC4-6F175D3DCCD1}">
-              <a14:hiddenFill xmlns="" xmlns:a14="http://schemas.microsoft.com/office/drawing/2010/main">
+              <a14:hiddenFill xmlns:a14="http://schemas.microsoft.com/office/drawing/2010/main" xmlns="">
                 <a:solidFill>
                   <a:srgbClr val="FFFFFF"/>
                 </a:solidFill>
               </a14:hiddenFill>
             </a:ext>
             <a:ext uri="{91240B29-F687-4f45-9708-019B960494DF}">
-              <a14:hiddenLine xmlns="" xmlns:a14="http://schemas.microsoft.com/office/drawing/2010/main" w="9525">
+              <a14:hiddenLine xmlns:a14="http://schemas.microsoft.com/office/drawing/2010/main" xmlns="" w="9525">
                 <a:solidFill>
                   <a:srgbClr val="000000"/>
                 </a:solidFill>
@@ -1810,7 +1810,7 @@
         </p:blipFill>
         <p:spPr>
           <a:xfrm>
-            <a:off x="3679715" y="37707015"/>
+            <a:off x="3591261" y="37944877"/>
             <a:ext cx="2042361" cy="1593713"/>
           </a:xfrm>
         </p:spPr>
@@ -1830,6 +1830,7 @@
           <a:bodyPr/>
           <a:lstStyle/>
           <a:p>
+            <a:pPr algn="ctr"/>
             <a:r>
               <a:rPr lang="en-US" dirty="0">
                 <a:latin typeface="+mj-lt"/>
@@ -1850,6 +1851,7 @@
             </a:r>
           </a:p>
           <a:p>
+            <a:pPr algn="ctr"/>
             <a:r>
               <a:rPr lang="en-US" sz="6600" b="0" dirty="0">
                 <a:latin typeface="+mj-lt"/>
@@ -1880,7 +1882,7 @@
         </p:nvSpPr>
         <p:spPr>
           <a:xfrm>
-            <a:off x="927424" y="7876589"/>
+            <a:off x="882892" y="7970789"/>
             <a:ext cx="13761720" cy="1229584"/>
           </a:xfrm>
         </p:spPr>
@@ -1888,6 +1890,7 @@
           <a:bodyPr/>
           <a:lstStyle/>
           <a:p>
+            <a:pPr algn="ctr"/>
             <a:r>
               <a:rPr lang="en-US" sz="5500" dirty="0">
                 <a:latin typeface="+mj-lt"/>
@@ -1917,7 +1920,10 @@
           <a:bodyPr/>
           <a:lstStyle/>
           <a:p>
-            <a:pPr lvl="0"/>
+            <a:pPr marL="571500" lvl="0" indent="-571500">
+              <a:buFont typeface="Arial" panose="020B0604020202020204" pitchFamily="34" charset="0"/>
+              <a:buChar char="•"/>
+            </a:pPr>
             <a:r>
               <a:rPr lang="en-US" sz="4400" dirty="0">
                 <a:solidFill>
@@ -1926,19 +1932,19 @@
                 <a:latin typeface="+mj-lt"/>
                 <a:cs typeface="Helvetica"/>
               </a:rPr>
-              <a:t>The axion is a hypothetical particle proposed by Frank </a:t>
-            </a:r>
-            <a:r>
-              <a:rPr lang="en-US" sz="4400" dirty="0" err="1">
+              <a:t>The axion is a hypothetical particle first proposed in the 1970s to resolve the strong CP problem</a:t>
+            </a:r>
+            <a:r>
+              <a:rPr lang="en-US" sz="4800" baseline="30000" dirty="0">
                 <a:solidFill>
                   <a:srgbClr val="000000"/>
                 </a:solidFill>
                 <a:latin typeface="+mj-lt"/>
                 <a:cs typeface="Helvetica"/>
               </a:rPr>
-              <a:t>Wilczek</a:t>
-            </a:r>
-            <a:r>
+              <a:t>1</a:t>
+            </a:r>
+            <a:br>
               <a:rPr lang="en-US" sz="4400" dirty="0">
                 <a:solidFill>
                   <a:srgbClr val="000000"/>
@@ -1946,38 +1952,7 @@
                 <a:latin typeface="+mj-lt"/>
                 <a:cs typeface="Helvetica"/>
               </a:rPr>
-              <a:t> and Steven Weinberg as a consequence of the Peccei-Quinn mechanism, which can explain why the strong interaction simultaneously preserves charge and parity symmetry.</a:t>
-            </a:r>
-            <a:r>
-              <a:rPr lang="en-US" sz="4400" baseline="30000" dirty="0">
-                <a:solidFill>
-                  <a:srgbClr val="000000"/>
-                </a:solidFill>
-                <a:latin typeface="+mj-lt"/>
-                <a:cs typeface="Helvetica"/>
-              </a:rPr>
-              <a:t>1</a:t>
-            </a:r>
-            <a:r>
-              <a:rPr lang="en-US" sz="4400" dirty="0">
-                <a:solidFill>
-                  <a:srgbClr val="000000"/>
-                </a:solidFill>
-                <a:latin typeface="+mj-lt"/>
-                <a:cs typeface="Helvetica"/>
-              </a:rPr>
-              <a:t> Due to their properties, axion-like particles make promising dark matter candidates. Under some theoretical models, axion-like particles can convert directly to photons in the presence of a magnetic field.</a:t>
-            </a:r>
-            <a:r>
-              <a:rPr lang="en-US" sz="4400" baseline="30000" dirty="0">
-                <a:solidFill>
-                  <a:srgbClr val="000000"/>
-                </a:solidFill>
-                <a:latin typeface="+mj-lt"/>
-                <a:cs typeface="Helvetica"/>
-              </a:rPr>
-              <a:t>2</a:t>
-            </a:r>
+            </a:br>
             <a:endParaRPr lang="en-US" sz="4400" dirty="0">
               <a:solidFill>
                 <a:srgbClr val="000000"/>
@@ -1987,7 +1962,39 @@
             </a:endParaRPr>
           </a:p>
           <a:p>
-            <a:pPr lvl="0"/>
+            <a:pPr marL="571500" lvl="0" indent="-571500">
+              <a:buFont typeface="Arial" panose="020B0604020202020204" pitchFamily="34" charset="0"/>
+              <a:buChar char="•"/>
+            </a:pPr>
+            <a:r>
+              <a:rPr lang="en-US" sz="4400" dirty="0">
+                <a:solidFill>
+                  <a:srgbClr val="000000"/>
+                </a:solidFill>
+                <a:latin typeface="+mj-lt"/>
+                <a:cs typeface="Helvetica"/>
+              </a:rPr>
+              <a:t>Due to their properties, axion-like particles are a well-motivated dark matter candidate</a:t>
+            </a:r>
+            <a:r>
+              <a:rPr lang="en-US" sz="4400" baseline="30000" dirty="0">
+                <a:solidFill>
+                  <a:srgbClr val="000000"/>
+                </a:solidFill>
+                <a:latin typeface="+mj-lt"/>
+                <a:cs typeface="Helvetica"/>
+              </a:rPr>
+              <a:t>5</a:t>
+            </a:r>
+            <a:br>
+              <a:rPr lang="en-US" sz="4400" dirty="0">
+                <a:solidFill>
+                  <a:srgbClr val="000000"/>
+                </a:solidFill>
+                <a:latin typeface="+mj-lt"/>
+                <a:cs typeface="Helvetica"/>
+              </a:rPr>
+            </a:br>
             <a:endParaRPr lang="en-US" sz="4400" dirty="0">
               <a:solidFill>
                 <a:srgbClr val="000000"/>
@@ -1997,7 +2004,10 @@
             </a:endParaRPr>
           </a:p>
           <a:p>
-            <a:pPr lvl="0"/>
+            <a:pPr marL="571500" lvl="0" indent="-571500">
+              <a:buFont typeface="Arial" panose="020B0604020202020204" pitchFamily="34" charset="0"/>
+              <a:buChar char="•"/>
+            </a:pPr>
             <a:r>
               <a:rPr lang="en-US" sz="4400" dirty="0">
                 <a:solidFill>
@@ -2006,7 +2016,7 @@
                 <a:latin typeface="+mj-lt"/>
                 <a:cs typeface="Helvetica"/>
               </a:rPr>
-              <a:t>The Broadband Reflector Experiment for Axion Detection (BREAD) searches for this axion-to-photon conversion.</a:t>
+              <a:t>The Broadband Reflector Experiment for Axion Detection (BREAD) searches for axion-to-photon conversion in a magnetic field</a:t>
             </a:r>
             <a:r>
               <a:rPr lang="en-US" sz="4800" baseline="30000" dirty="0">
@@ -2016,7 +2026,7 @@
                 <a:latin typeface="+mj-lt"/>
                 <a:cs typeface="Helvetica"/>
               </a:rPr>
-              <a:t>3</a:t>
+              <a:t>6</a:t>
             </a:r>
             <a:r>
               <a:rPr lang="en-US" sz="4400" dirty="0">
@@ -2026,18 +2036,30 @@
                 <a:latin typeface="+mj-lt"/>
                 <a:cs typeface="Helvetica"/>
               </a:rPr>
-              <a:t> These converted photons are emitted normal to the inner cylindrical surface, reflected off of the parabolic reflector, reflected again off of the inner cylindrical surface, and focused to a single point. </a:t>
-            </a:r>
-            <a:r>
-              <a:rPr lang="en-US" sz="4400" dirty="0" err="1">
+              <a:t> </a:t>
+            </a:r>
+            <a:br>
+              <a:rPr lang="en-US" sz="4400" dirty="0">
                 <a:solidFill>
                   <a:srgbClr val="000000"/>
                 </a:solidFill>
                 <a:latin typeface="+mj-lt"/>
                 <a:cs typeface="Helvetica"/>
               </a:rPr>
-              <a:t>InfraBREAD</a:t>
-            </a:r>
+            </a:br>
+            <a:endParaRPr lang="en-US" sz="4400" dirty="0">
+              <a:solidFill>
+                <a:srgbClr val="000000"/>
+              </a:solidFill>
+              <a:latin typeface="+mj-lt"/>
+              <a:cs typeface="Helvetica"/>
+            </a:endParaRPr>
+          </a:p>
+          <a:p>
+            <a:pPr marL="571500" lvl="0" indent="-571500">
+              <a:buFont typeface="Arial" panose="020B0604020202020204" pitchFamily="34" charset="0"/>
+              <a:buChar char="•"/>
+            </a:pPr>
             <a:r>
               <a:rPr lang="en-US" sz="4400" dirty="0">
                 <a:solidFill>
@@ -2046,7 +2068,7 @@
                 <a:latin typeface="+mj-lt"/>
                 <a:cs typeface="Helvetica"/>
               </a:rPr>
-              <a:t> specifically detects converted infrared photons using a superconducting nanowire single-photon detector (SNSPD).</a:t>
+              <a:t>These converted photons are reflected, focused, and detected by a superconducting nanowire single photon detector (SNSPD)</a:t>
             </a:r>
           </a:p>
           <a:p>
@@ -2124,13 +2146,15 @@
       <p:cxnSp>
         <p:nvCxnSpPr>
           <p:cNvPr id="59" name="Straight Connector 58"/>
-          <p:cNvCxnSpPr/>
+          <p:cNvCxnSpPr>
+            <a:cxnSpLocks/>
+          </p:cNvCxnSpPr>
           <p:nvPr/>
         </p:nvCxnSpPr>
         <p:spPr>
           <a:xfrm>
-            <a:off x="933476" y="37167587"/>
-            <a:ext cx="13755668" cy="0"/>
+            <a:off x="933476" y="37897091"/>
+            <a:ext cx="28454072" cy="0"/>
           </a:xfrm>
           <a:prstGeom prst="line">
             <a:avLst/>
@@ -2169,7 +2193,7 @@
         </p:nvSpPr>
         <p:spPr>
           <a:xfrm>
-            <a:off x="15550004" y="34115027"/>
+            <a:off x="15550004" y="34861787"/>
             <a:ext cx="13761720" cy="1229584"/>
           </a:xfrm>
         </p:spPr>
@@ -2177,6 +2201,7 @@
           <a:bodyPr/>
           <a:lstStyle/>
           <a:p>
+            <a:pPr algn="ctr"/>
             <a:r>
               <a:rPr lang="en-US" dirty="0">
                 <a:latin typeface="+mj-lt"/>
@@ -2241,7 +2266,7 @@
         </p:nvSpPr>
         <p:spPr>
           <a:xfrm>
-            <a:off x="1035291" y="27489739"/>
+            <a:off x="634761" y="24506888"/>
             <a:ext cx="13761720" cy="1229584"/>
           </a:xfrm>
           <a:prstGeom prst="rect">
@@ -2388,7 +2413,7 @@
             </a:lvl9pPr>
           </a:lstStyle>
           <a:p>
-            <a:pPr fontAlgn="auto">
+            <a:pPr algn="ctr" fontAlgn="auto">
               <a:spcAft>
                 <a:spcPts val="0"/>
               </a:spcAft>
@@ -2420,7 +2445,7 @@
         </p:nvSpPr>
         <p:spPr>
           <a:xfrm>
-            <a:off x="15449977" y="37553339"/>
+            <a:off x="15449977" y="37787799"/>
             <a:ext cx="13761720" cy="1593712"/>
           </a:xfrm>
         </p:spPr>
@@ -2477,8 +2502,8 @@
         </p:blipFill>
         <p:spPr>
           <a:xfrm>
-            <a:off x="1148864" y="21346596"/>
-            <a:ext cx="3623428" cy="5381406"/>
+            <a:off x="1620111" y="19064921"/>
+            <a:ext cx="3201288" cy="4754457"/>
           </a:xfrm>
         </p:spPr>
       </p:pic>
@@ -2496,8 +2521,8 @@
         </p:nvSpPr>
         <p:spPr>
           <a:xfrm>
-            <a:off x="5722076" y="21397119"/>
-            <a:ext cx="7803407" cy="3539430"/>
+            <a:off x="5853569" y="20315252"/>
+            <a:ext cx="7803407" cy="2062103"/>
           </a:xfrm>
           <a:prstGeom prst="rect">
             <a:avLst/>
@@ -2511,49 +2536,16 @@
           <a:lstStyle/>
           <a:p>
             <a:r>
-              <a:rPr lang="en-US" sz="3200" b="1">
+              <a:rPr lang="en-US" sz="3200" b="1" dirty="0">
                 <a:solidFill>
                   <a:schemeClr val="accent1"/>
                 </a:solidFill>
               </a:rPr>
-              <a:t>A cutaway view of the BREAD reflector, which is a parabolic reflector cut in half about its central axis and revolved around another, perpendicular axis. Any photon emitted normal to the inner cylindrical surface gets focused to a singular point after two reflections.</a:t>
-            </a:r>
-            <a:endParaRPr lang="en-US" sz="3200" b="1" dirty="0">
-              <a:solidFill>
-                <a:schemeClr val="accent1"/>
-              </a:solidFill>
-            </a:endParaRPr>
+              <a:t>A cutaway view of the BREAD reflector. Any photon emitted normal to the inner cylindrical surface gets focused to a singular point after two reflections.</a:t>
+            </a:r>
           </a:p>
         </p:txBody>
       </p:sp>
-      <p:pic>
-        <p:nvPicPr>
-          <p:cNvPr id="4" name="Picture Placeholder 3" descr="A diagram of a cylindrical object with text&#10;&#10;Description automatically generated">
-            <a:extLst>
-              <a:ext uri="{FF2B5EF4-FFF2-40B4-BE49-F238E27FC236}">
-                <a16:creationId xmlns:a16="http://schemas.microsoft.com/office/drawing/2014/main" id="{580BB12F-004E-49F4-B0EE-7CB96469C65A}"/>
-              </a:ext>
-            </a:extLst>
-          </p:cNvPr>
-          <p:cNvPicPr>
-            <a:picLocks noGrp="1" noChangeAspect="1"/>
-          </p:cNvPicPr>
-          <p:nvPr>
-            <p:ph type="pic" sz="quarter" idx="22"/>
-          </p:nvPr>
-        </p:nvPicPr>
-        <p:blipFill rotWithShape="1">
-          <a:blip r:embed="rId5"/>
-          <a:srcRect t="-520" b="-148"/>
-          <a:stretch/>
-        </p:blipFill>
-        <p:spPr>
-          <a:xfrm>
-            <a:off x="955551" y="29060554"/>
-            <a:ext cx="6985473" cy="6852188"/>
-          </a:xfrm>
-        </p:spPr>
-      </p:pic>
       <p:pic>
         <p:nvPicPr>
           <p:cNvPr id="11" name="Picture 10" descr="A blue and white logo&#10;&#10;Description automatically generated">
@@ -2569,15 +2561,15 @@
           <p:nvPr/>
         </p:nvPicPr>
         <p:blipFill>
-          <a:blip r:embed="rId6"/>
+          <a:blip r:embed="rId5"/>
           <a:stretch>
             <a:fillRect/>
           </a:stretch>
         </p:blipFill>
         <p:spPr>
           <a:xfrm>
-            <a:off x="1055578" y="37551372"/>
-            <a:ext cx="1905000" cy="1905000"/>
+            <a:off x="1454864" y="37944877"/>
+            <a:ext cx="1537151" cy="1537151"/>
           </a:xfrm>
           <a:prstGeom prst="rect">
             <a:avLst/>
@@ -2598,8 +2590,8 @@
         </p:nvSpPr>
         <p:spPr>
           <a:xfrm>
-            <a:off x="7941024" y="28944108"/>
-            <a:ext cx="6501807" cy="7478970"/>
+            <a:off x="1385414" y="35185347"/>
+            <a:ext cx="13179901" cy="2554545"/>
           </a:xfrm>
           <a:prstGeom prst="rect">
             <a:avLst/>
@@ -2618,7 +2610,7 @@
                   <a:schemeClr val="accent1"/>
                 </a:solidFill>
               </a:rPr>
-              <a:t>Due to uneven thermal contraction when the detector is cooled to ~0.1K, the true focal spot of the detector may move slightly. </a:t>
+              <a:t>Left: Due to uneven thermal contraction when the detector is cooled to ~0.1K, the true focal spot of the detector may move slightly. </a:t>
             </a:r>
           </a:p>
           <a:p>
@@ -2635,24 +2627,7 @@
                   <a:schemeClr val="accent1"/>
                 </a:solidFill>
               </a:rPr>
-              <a:t>A “hot” absorber (~10 K) emits blackbody radiation into the reflector cavity. The SNSPD sits beneath a mount, which blocks blackbody radiation from above from passing through it. </a:t>
-            </a:r>
-          </a:p>
-          <a:p>
-            <a:endParaRPr lang="en-US" sz="3200" b="1" dirty="0">
-              <a:solidFill>
-                <a:schemeClr val="accent1"/>
-              </a:solidFill>
-            </a:endParaRPr>
-          </a:p>
-          <a:p>
-            <a:r>
-              <a:rPr lang="en-US" sz="3200" b="1" dirty="0">
-                <a:solidFill>
-                  <a:schemeClr val="accent1"/>
-                </a:solidFill>
-              </a:rPr>
-              <a:t>Our initial expectation is that the focus should be exactly at location of minimum blackbody photon counts.</a:t>
+              <a:t>Right: Example 2D plots of the number of rays recorded by the SNSPD at two different detector positions.</a:t>
             </a:r>
           </a:p>
         </p:txBody>
@@ -2673,7 +2648,7 @@
         </p:nvSpPr>
         <p:spPr>
           <a:xfrm>
-            <a:off x="15614104" y="7858109"/>
+            <a:off x="15622664" y="7970789"/>
             <a:ext cx="13761720" cy="1229584"/>
           </a:xfrm>
           <a:prstGeom prst="rect">
@@ -2820,7 +2795,7 @@
             </a:lvl9pPr>
           </a:lstStyle>
           <a:p>
-            <a:pPr fontAlgn="auto">
+            <a:pPr algn="ctr" fontAlgn="auto">
               <a:spcAft>
                 <a:spcPts val="0"/>
               </a:spcAft>
@@ -2829,462 +2804,11 @@
               <a:rPr lang="en-US" sz="5500" dirty="0">
                 <a:latin typeface="+mj-lt"/>
               </a:rPr>
-              <a:t>Varying the Size of the Source and Block</a:t>
+              <a:t>Varying the Size of the Absorber and Mount</a:t>
             </a:r>
           </a:p>
         </p:txBody>
       </p:sp>
-      <p:grpSp>
-        <p:nvGrpSpPr>
-          <p:cNvPr id="30" name="Group 29">
-            <a:extLst>
-              <a:ext uri="{FF2B5EF4-FFF2-40B4-BE49-F238E27FC236}">
-                <a16:creationId xmlns:a16="http://schemas.microsoft.com/office/drawing/2014/main" id="{E445873C-82D2-ABFD-FEAF-3E9EB6B6C6FC}"/>
-              </a:ext>
-            </a:extLst>
-          </p:cNvPr>
-          <p:cNvGrpSpPr/>
-          <p:nvPr/>
-        </p:nvGrpSpPr>
-        <p:grpSpPr>
-          <a:xfrm>
-            <a:off x="16020206" y="9301931"/>
-            <a:ext cx="7082031" cy="5931619"/>
-            <a:chOff x="16338763" y="9308382"/>
-            <a:chExt cx="6156960" cy="4822296"/>
-          </a:xfrm>
-        </p:grpSpPr>
-        <p:pic>
-          <p:nvPicPr>
-            <p:cNvPr id="28" name="Picture 27" descr="A graph of a graph with numbers and colored dots&#10;&#10;Description automatically generated with medium confidence">
-              <a:extLst>
-                <a:ext uri="{FF2B5EF4-FFF2-40B4-BE49-F238E27FC236}">
-                  <a16:creationId xmlns:a16="http://schemas.microsoft.com/office/drawing/2014/main" id="{656B5671-18C4-97F2-FCED-EB2BE200B71C}"/>
-                </a:ext>
-              </a:extLst>
-            </p:cNvPr>
-            <p:cNvPicPr>
-              <a:picLocks noChangeAspect="1"/>
-            </p:cNvPicPr>
-            <p:nvPr/>
-          </p:nvPicPr>
-          <p:blipFill>
-            <a:blip r:embed="rId7"/>
-            <a:stretch>
-              <a:fillRect/>
-            </a:stretch>
-          </p:blipFill>
-          <p:spPr>
-            <a:xfrm>
-              <a:off x="16338763" y="9308382"/>
-              <a:ext cx="5852172" cy="4389129"/>
-            </a:xfrm>
-            <a:prstGeom prst="rect">
-              <a:avLst/>
-            </a:prstGeom>
-          </p:spPr>
-        </p:pic>
-        <p:sp>
-          <p:nvSpPr>
-            <p:cNvPr id="29" name="TextBox 28">
-              <a:extLst>
-                <a:ext uri="{FF2B5EF4-FFF2-40B4-BE49-F238E27FC236}">
-                  <a16:creationId xmlns:a16="http://schemas.microsoft.com/office/drawing/2014/main" id="{43F5DBD0-8E18-1205-584D-651777649664}"/>
-                </a:ext>
-              </a:extLst>
-            </p:cNvPr>
-            <p:cNvSpPr txBox="1"/>
-            <p:nvPr/>
-          </p:nvSpPr>
-          <p:spPr>
-            <a:xfrm>
-              <a:off x="16338763" y="13719696"/>
-              <a:ext cx="6156960" cy="410982"/>
-            </a:xfrm>
-            <a:prstGeom prst="rect">
-              <a:avLst/>
-            </a:prstGeom>
-            <a:noFill/>
-          </p:spPr>
-          <p:txBody>
-            <a:bodyPr wrap="square" rtlCol="0">
-              <a:spAutoFit/>
-            </a:bodyPr>
-            <a:lstStyle/>
-            <a:p>
-              <a:pPr algn="ctr"/>
-              <a:r>
-                <a:rPr lang="en-US" sz="2800" dirty="0">
-                  <a:solidFill>
-                    <a:schemeClr val="accent1"/>
-                  </a:solidFill>
-                </a:rPr>
-                <a:t>40 mm radius source, 20mm radius block</a:t>
-              </a:r>
-            </a:p>
-          </p:txBody>
-        </p:sp>
-      </p:grpSp>
-      <p:grpSp>
-        <p:nvGrpSpPr>
-          <p:cNvPr id="31" name="Group 30">
-            <a:extLst>
-              <a:ext uri="{FF2B5EF4-FFF2-40B4-BE49-F238E27FC236}">
-                <a16:creationId xmlns:a16="http://schemas.microsoft.com/office/drawing/2014/main" id="{2B061168-D926-889C-5902-8368FB0F8113}"/>
-              </a:ext>
-            </a:extLst>
-          </p:cNvPr>
-          <p:cNvGrpSpPr/>
-          <p:nvPr/>
-        </p:nvGrpSpPr>
-        <p:grpSpPr>
-          <a:xfrm>
-            <a:off x="23102236" y="9477039"/>
-            <a:ext cx="7082031" cy="5774204"/>
-            <a:chOff x="16338763" y="9450743"/>
-            <a:chExt cx="6156960" cy="4694321"/>
-          </a:xfrm>
-        </p:grpSpPr>
-        <p:pic>
-          <p:nvPicPr>
-            <p:cNvPr id="33" name="Picture 32">
-              <a:extLst>
-                <a:ext uri="{FF2B5EF4-FFF2-40B4-BE49-F238E27FC236}">
-                  <a16:creationId xmlns:a16="http://schemas.microsoft.com/office/drawing/2014/main" id="{053DE570-3AFE-FCCD-F04B-5BEA92185B31}"/>
-                </a:ext>
-              </a:extLst>
-            </p:cNvPr>
-            <p:cNvPicPr>
-              <a:picLocks noChangeAspect="1"/>
-            </p:cNvPicPr>
-            <p:nvPr/>
-          </p:nvPicPr>
-          <p:blipFill>
-            <a:blip r:embed="rId8"/>
-            <a:srcRect/>
-            <a:stretch/>
-          </p:blipFill>
-          <p:spPr>
-            <a:xfrm>
-              <a:off x="16338763" y="9450743"/>
-              <a:ext cx="5852172" cy="4104407"/>
-            </a:xfrm>
-            <a:prstGeom prst="rect">
-              <a:avLst/>
-            </a:prstGeom>
-          </p:spPr>
-        </p:pic>
-        <p:sp>
-          <p:nvSpPr>
-            <p:cNvPr id="34" name="TextBox 33">
-              <a:extLst>
-                <a:ext uri="{FF2B5EF4-FFF2-40B4-BE49-F238E27FC236}">
-                  <a16:creationId xmlns:a16="http://schemas.microsoft.com/office/drawing/2014/main" id="{EFF5E76F-4DE7-D1D4-69B0-17C4C3399D80}"/>
-                </a:ext>
-              </a:extLst>
-            </p:cNvPr>
-            <p:cNvSpPr txBox="1"/>
-            <p:nvPr/>
-          </p:nvSpPr>
-          <p:spPr>
-            <a:xfrm>
-              <a:off x="16338763" y="13719696"/>
-              <a:ext cx="6156960" cy="425368"/>
-            </a:xfrm>
-            <a:prstGeom prst="rect">
-              <a:avLst/>
-            </a:prstGeom>
-            <a:noFill/>
-          </p:spPr>
-          <p:txBody>
-            <a:bodyPr wrap="square" rtlCol="0">
-              <a:spAutoFit/>
-            </a:bodyPr>
-            <a:lstStyle/>
-            <a:p>
-              <a:pPr algn="ctr"/>
-              <a:r>
-                <a:rPr lang="en-US" sz="2800" dirty="0">
-                  <a:solidFill>
-                    <a:schemeClr val="accent1"/>
-                  </a:solidFill>
-                </a:rPr>
-                <a:t>40 mm radius source, 30mm radius block</a:t>
-              </a:r>
-            </a:p>
-          </p:txBody>
-        </p:sp>
-      </p:grpSp>
-      <p:grpSp>
-        <p:nvGrpSpPr>
-          <p:cNvPr id="35" name="Group 34">
-            <a:extLst>
-              <a:ext uri="{FF2B5EF4-FFF2-40B4-BE49-F238E27FC236}">
-                <a16:creationId xmlns:a16="http://schemas.microsoft.com/office/drawing/2014/main" id="{0B5FA5D4-7184-B6EE-4802-25DE16A80975}"/>
-              </a:ext>
-            </a:extLst>
-          </p:cNvPr>
-          <p:cNvGrpSpPr/>
-          <p:nvPr/>
-        </p:nvGrpSpPr>
-        <p:grpSpPr>
-          <a:xfrm>
-            <a:off x="16004966" y="15679719"/>
-            <a:ext cx="7082031" cy="5774204"/>
-            <a:chOff x="16338763" y="9450743"/>
-            <a:chExt cx="6156960" cy="4694321"/>
-          </a:xfrm>
-        </p:grpSpPr>
-        <p:pic>
-          <p:nvPicPr>
-            <p:cNvPr id="38" name="Picture 37">
-              <a:extLst>
-                <a:ext uri="{FF2B5EF4-FFF2-40B4-BE49-F238E27FC236}">
-                  <a16:creationId xmlns:a16="http://schemas.microsoft.com/office/drawing/2014/main" id="{88A154B9-243D-046D-E761-53B6FEA29A08}"/>
-                </a:ext>
-              </a:extLst>
-            </p:cNvPr>
-            <p:cNvPicPr>
-              <a:picLocks noChangeAspect="1"/>
-            </p:cNvPicPr>
-            <p:nvPr/>
-          </p:nvPicPr>
-          <p:blipFill>
-            <a:blip r:embed="rId9"/>
-            <a:srcRect/>
-            <a:stretch/>
-          </p:blipFill>
-          <p:spPr>
-            <a:xfrm>
-              <a:off x="16338763" y="9450743"/>
-              <a:ext cx="5852172" cy="4104407"/>
-            </a:xfrm>
-            <a:prstGeom prst="rect">
-              <a:avLst/>
-            </a:prstGeom>
-          </p:spPr>
-        </p:pic>
-        <p:sp>
-          <p:nvSpPr>
-            <p:cNvPr id="39" name="TextBox 38">
-              <a:extLst>
-                <a:ext uri="{FF2B5EF4-FFF2-40B4-BE49-F238E27FC236}">
-                  <a16:creationId xmlns:a16="http://schemas.microsoft.com/office/drawing/2014/main" id="{2E02069E-62D3-6D5F-4884-4761DCBFC161}"/>
-                </a:ext>
-              </a:extLst>
-            </p:cNvPr>
-            <p:cNvSpPr txBox="1"/>
-            <p:nvPr/>
-          </p:nvSpPr>
-          <p:spPr>
-            <a:xfrm>
-              <a:off x="16338763" y="13719696"/>
-              <a:ext cx="6156960" cy="425368"/>
-            </a:xfrm>
-            <a:prstGeom prst="rect">
-              <a:avLst/>
-            </a:prstGeom>
-            <a:noFill/>
-          </p:spPr>
-          <p:txBody>
-            <a:bodyPr wrap="square" rtlCol="0">
-              <a:spAutoFit/>
-            </a:bodyPr>
-            <a:lstStyle/>
-            <a:p>
-              <a:pPr algn="ctr"/>
-              <a:r>
-                <a:rPr lang="en-US" sz="2800" dirty="0">
-                  <a:solidFill>
-                    <a:schemeClr val="accent1"/>
-                  </a:solidFill>
-                </a:rPr>
-                <a:t>60 mm radius source, 20mm radius block</a:t>
-              </a:r>
-            </a:p>
-          </p:txBody>
-        </p:sp>
-      </p:grpSp>
-      <p:grpSp>
-        <p:nvGrpSpPr>
-          <p:cNvPr id="40" name="Group 39">
-            <a:extLst>
-              <a:ext uri="{FF2B5EF4-FFF2-40B4-BE49-F238E27FC236}">
-                <a16:creationId xmlns:a16="http://schemas.microsoft.com/office/drawing/2014/main" id="{B9DD16C8-9138-C17A-8163-10F21A32AC0A}"/>
-              </a:ext>
-            </a:extLst>
-          </p:cNvPr>
-          <p:cNvGrpSpPr/>
-          <p:nvPr/>
-        </p:nvGrpSpPr>
-        <p:grpSpPr>
-          <a:xfrm>
-            <a:off x="23102237" y="15679719"/>
-            <a:ext cx="7082031" cy="5774204"/>
-            <a:chOff x="16338763" y="9450743"/>
-            <a:chExt cx="6156960" cy="4694321"/>
-          </a:xfrm>
-        </p:grpSpPr>
-        <p:pic>
-          <p:nvPicPr>
-            <p:cNvPr id="41" name="Picture 40">
-              <a:extLst>
-                <a:ext uri="{FF2B5EF4-FFF2-40B4-BE49-F238E27FC236}">
-                  <a16:creationId xmlns:a16="http://schemas.microsoft.com/office/drawing/2014/main" id="{3CFEAFFE-02A0-4704-CE16-E617117200FC}"/>
-                </a:ext>
-              </a:extLst>
-            </p:cNvPr>
-            <p:cNvPicPr>
-              <a:picLocks noChangeAspect="1"/>
-            </p:cNvPicPr>
-            <p:nvPr/>
-          </p:nvPicPr>
-          <p:blipFill>
-            <a:blip r:embed="rId10"/>
-            <a:srcRect/>
-            <a:stretch/>
-          </p:blipFill>
-          <p:spPr>
-            <a:xfrm>
-              <a:off x="16338763" y="9450743"/>
-              <a:ext cx="5852171" cy="4104407"/>
-            </a:xfrm>
-            <a:prstGeom prst="rect">
-              <a:avLst/>
-            </a:prstGeom>
-          </p:spPr>
-        </p:pic>
-        <p:sp>
-          <p:nvSpPr>
-            <p:cNvPr id="42" name="TextBox 41">
-              <a:extLst>
-                <a:ext uri="{FF2B5EF4-FFF2-40B4-BE49-F238E27FC236}">
-                  <a16:creationId xmlns:a16="http://schemas.microsoft.com/office/drawing/2014/main" id="{E4EF013C-F2DE-3826-FAC5-C0E10D7953CC}"/>
-                </a:ext>
-              </a:extLst>
-            </p:cNvPr>
-            <p:cNvSpPr txBox="1"/>
-            <p:nvPr/>
-          </p:nvSpPr>
-          <p:spPr>
-            <a:xfrm>
-              <a:off x="16338763" y="13719696"/>
-              <a:ext cx="6156960" cy="425368"/>
-            </a:xfrm>
-            <a:prstGeom prst="rect">
-              <a:avLst/>
-            </a:prstGeom>
-            <a:noFill/>
-          </p:spPr>
-          <p:txBody>
-            <a:bodyPr wrap="square" rtlCol="0">
-              <a:spAutoFit/>
-            </a:bodyPr>
-            <a:lstStyle/>
-            <a:p>
-              <a:pPr algn="ctr"/>
-              <a:r>
-                <a:rPr lang="en-US" sz="2800" dirty="0">
-                  <a:solidFill>
-                    <a:schemeClr val="accent1"/>
-                  </a:solidFill>
-                </a:rPr>
-                <a:t>60 mm radius source, 30mm radius block</a:t>
-              </a:r>
-            </a:p>
-          </p:txBody>
-        </p:sp>
-      </p:grpSp>
-      <p:grpSp>
-        <p:nvGrpSpPr>
-          <p:cNvPr id="44" name="Group 43">
-            <a:extLst>
-              <a:ext uri="{FF2B5EF4-FFF2-40B4-BE49-F238E27FC236}">
-                <a16:creationId xmlns:a16="http://schemas.microsoft.com/office/drawing/2014/main" id="{873DBE75-A8B8-3A16-E97E-1E346123E4C2}"/>
-              </a:ext>
-            </a:extLst>
-          </p:cNvPr>
-          <p:cNvGrpSpPr/>
-          <p:nvPr/>
-        </p:nvGrpSpPr>
-        <p:grpSpPr>
-          <a:xfrm>
-            <a:off x="16020206" y="21705078"/>
-            <a:ext cx="7082031" cy="5774204"/>
-            <a:chOff x="16338763" y="9450743"/>
-            <a:chExt cx="6156960" cy="4694321"/>
-          </a:xfrm>
-        </p:grpSpPr>
-        <p:pic>
-          <p:nvPicPr>
-            <p:cNvPr id="45" name="Picture 44">
-              <a:extLst>
-                <a:ext uri="{FF2B5EF4-FFF2-40B4-BE49-F238E27FC236}">
-                  <a16:creationId xmlns:a16="http://schemas.microsoft.com/office/drawing/2014/main" id="{5EA9DAF8-35CE-309C-9480-E0D5429EABE6}"/>
-                </a:ext>
-              </a:extLst>
-            </p:cNvPr>
-            <p:cNvPicPr>
-              <a:picLocks noChangeAspect="1"/>
-            </p:cNvPicPr>
-            <p:nvPr/>
-          </p:nvPicPr>
-          <p:blipFill>
-            <a:blip r:embed="rId11"/>
-            <a:srcRect/>
-            <a:stretch/>
-          </p:blipFill>
-          <p:spPr>
-            <a:xfrm>
-              <a:off x="16338763" y="9450743"/>
-              <a:ext cx="5852171" cy="4104407"/>
-            </a:xfrm>
-            <a:prstGeom prst="rect">
-              <a:avLst/>
-            </a:prstGeom>
-          </p:spPr>
-        </p:pic>
-        <p:sp>
-          <p:nvSpPr>
-            <p:cNvPr id="46" name="TextBox 45">
-              <a:extLst>
-                <a:ext uri="{FF2B5EF4-FFF2-40B4-BE49-F238E27FC236}">
-                  <a16:creationId xmlns:a16="http://schemas.microsoft.com/office/drawing/2014/main" id="{D457A164-38FC-E360-C15C-D0221DBA2E57}"/>
-                </a:ext>
-              </a:extLst>
-            </p:cNvPr>
-            <p:cNvSpPr txBox="1"/>
-            <p:nvPr/>
-          </p:nvSpPr>
-          <p:spPr>
-            <a:xfrm>
-              <a:off x="16338763" y="13719696"/>
-              <a:ext cx="6156960" cy="425368"/>
-            </a:xfrm>
-            <a:prstGeom prst="rect">
-              <a:avLst/>
-            </a:prstGeom>
-            <a:noFill/>
-          </p:spPr>
-          <p:txBody>
-            <a:bodyPr wrap="square" rtlCol="0">
-              <a:spAutoFit/>
-            </a:bodyPr>
-            <a:lstStyle/>
-            <a:p>
-              <a:pPr algn="ctr"/>
-              <a:r>
-                <a:rPr lang="en-US" sz="2800" dirty="0">
-                  <a:solidFill>
-                    <a:schemeClr val="accent1"/>
-                  </a:solidFill>
-                </a:rPr>
-                <a:t>80 mm radius source, 14mm radius block</a:t>
-              </a:r>
-            </a:p>
-          </p:txBody>
-        </p:sp>
-      </p:grpSp>
       <p:sp>
         <p:nvSpPr>
           <p:cNvPr id="50" name="Text Placeholder 8">
@@ -3301,7 +2825,7 @@
         </p:nvSpPr>
         <p:spPr>
           <a:xfrm>
-            <a:off x="15614104" y="28104531"/>
+            <a:off x="15614104" y="17459961"/>
             <a:ext cx="13761720" cy="1229584"/>
           </a:xfrm>
           <a:prstGeom prst="rect">
@@ -3448,7 +2972,7 @@
             </a:lvl9pPr>
           </a:lstStyle>
           <a:p>
-            <a:pPr fontAlgn="auto">
+            <a:pPr algn="ctr" fontAlgn="auto">
               <a:spcAft>
                 <a:spcPts val="0"/>
               </a:spcAft>
@@ -3478,8 +3002,8 @@
         </p:nvSpPr>
         <p:spPr>
           <a:xfrm>
-            <a:off x="18535415" y="29252991"/>
-            <a:ext cx="3044925" cy="1229584"/>
+            <a:off x="16529538" y="18478309"/>
+            <a:ext cx="12942047" cy="1229584"/>
           </a:xfrm>
           <a:prstGeom prst="rect">
             <a:avLst/>
@@ -3625,7 +3149,7 @@
             </a:lvl9pPr>
           </a:lstStyle>
           <a:p>
-            <a:pPr fontAlgn="auto">
+            <a:pPr algn="ctr" fontAlgn="auto">
               <a:spcAft>
                 <a:spcPts val="0"/>
               </a:spcAft>
@@ -3634,72 +3158,7 @@
               <a:rPr lang="en-US" sz="3600" dirty="0">
                 <a:latin typeface="+mj-lt"/>
               </a:rPr>
-              <a:t>Prediction </a:t>
-            </a:r>
-          </a:p>
-        </p:txBody>
-      </p:sp>
-      <p:pic>
-        <p:nvPicPr>
-          <p:cNvPr id="55" name="Picture 54" descr="A white paper with writing on it&#10;&#10;Description automatically generated">
-            <a:extLst>
-              <a:ext uri="{FF2B5EF4-FFF2-40B4-BE49-F238E27FC236}">
-                <a16:creationId xmlns:a16="http://schemas.microsoft.com/office/drawing/2014/main" id="{6BE7B776-8E50-EFFD-A8C6-F040BBB3836E}"/>
-              </a:ext>
-            </a:extLst>
-          </p:cNvPr>
-          <p:cNvPicPr>
-            <a:picLocks noChangeAspect="1"/>
-          </p:cNvPicPr>
-          <p:nvPr/>
-        </p:nvPicPr>
-        <p:blipFill>
-          <a:blip r:embed="rId12"/>
-          <a:stretch>
-            <a:fillRect/>
-          </a:stretch>
-        </p:blipFill>
-        <p:spPr>
-          <a:xfrm>
-            <a:off x="16516930" y="30444107"/>
-            <a:ext cx="6678737" cy="2073853"/>
-          </a:xfrm>
-          <a:prstGeom prst="rect">
-            <a:avLst/>
-          </a:prstGeom>
-        </p:spPr>
-      </p:pic>
-      <p:sp>
-        <p:nvSpPr>
-          <p:cNvPr id="63" name="TextBox 62">
-            <a:extLst>
-              <a:ext uri="{FF2B5EF4-FFF2-40B4-BE49-F238E27FC236}">
-                <a16:creationId xmlns:a16="http://schemas.microsoft.com/office/drawing/2014/main" id="{BB45E180-E4F0-B8A0-6E1D-6AE9EFF112A3}"/>
-              </a:ext>
-            </a:extLst>
-          </p:cNvPr>
-          <p:cNvSpPr txBox="1"/>
-          <p:nvPr/>
-        </p:nvSpPr>
-        <p:spPr>
-          <a:xfrm>
-            <a:off x="16511383" y="30358544"/>
-            <a:ext cx="6678737" cy="1200329"/>
-          </a:xfrm>
-          <a:prstGeom prst="rect">
-            <a:avLst/>
-          </a:prstGeom>
-          <a:noFill/>
-        </p:spPr>
-        <p:txBody>
-          <a:bodyPr wrap="square" rtlCol="0">
-            <a:spAutoFit/>
-          </a:bodyPr>
-          <a:lstStyle/>
-          <a:p>
-            <a:r>
-              <a:rPr lang="en-US" sz="3600" dirty="0"/>
-              <a:t>I’m going to make this into a nice digital image</a:t>
+              <a:t>Prediction of z Position of Top of Valley</a:t>
             </a:r>
           </a:p>
         </p:txBody>
@@ -3720,7 +3179,7 @@
         </p:nvSpPr>
         <p:spPr>
           <a:xfrm>
-            <a:off x="25415393" y="29130500"/>
+            <a:off x="20908400" y="21879050"/>
             <a:ext cx="3044925" cy="1229584"/>
           </a:xfrm>
           <a:prstGeom prst="rect">
@@ -3867,7 +3326,7 @@
             </a:lvl9pPr>
           </a:lstStyle>
           <a:p>
-            <a:pPr fontAlgn="auto">
+            <a:pPr algn="ctr" fontAlgn="auto">
               <a:spcAft>
                 <a:spcPts val="0"/>
               </a:spcAft>
@@ -3895,8 +3354,8 @@
         </p:nvSpPr>
         <p:spPr>
           <a:xfrm>
-            <a:off x="16172637" y="32918659"/>
-            <a:ext cx="13828719" cy="523220"/>
+            <a:off x="15619421" y="27252545"/>
+            <a:ext cx="13828719" cy="584775"/>
           </a:xfrm>
           <a:prstGeom prst="rect">
             <a:avLst/>
@@ -3911,7 +3370,7 @@
           <a:p>
             <a:pPr algn="ctr"/>
             <a:r>
-              <a:rPr lang="en-US" sz="2800" dirty="0">
+              <a:rPr lang="en-US" sz="3200" dirty="0">
                 <a:solidFill>
                   <a:schemeClr val="accent1"/>
                 </a:solidFill>
@@ -3919,7 +3378,7 @@
               <a:t>Data supports revised prediction of </a:t>
             </a:r>
             <a:r>
-              <a:rPr lang="en-US" sz="2800" b="1" dirty="0">
+              <a:rPr lang="en-US" sz="3200" b="1" dirty="0">
                 <a:solidFill>
                   <a:schemeClr val="accent1"/>
                 </a:solidFill>
@@ -3944,21 +3403,825 @@
           <p:nvPr/>
         </p:nvPicPr>
         <p:blipFill>
-          <a:blip r:embed="rId13"/>
+          <a:blip r:embed="rId6"/>
           <a:stretch>
             <a:fillRect/>
           </a:stretch>
         </p:blipFill>
         <p:spPr>
           <a:xfrm>
-            <a:off x="23691494" y="30139192"/>
-            <a:ext cx="5903513" cy="2544401"/>
+            <a:off x="17767585" y="23010922"/>
+            <a:ext cx="9471878" cy="4082359"/>
           </a:xfrm>
           <a:prstGeom prst="rect">
             <a:avLst/>
           </a:prstGeom>
         </p:spPr>
       </p:pic>
+      <p:pic>
+        <p:nvPicPr>
+          <p:cNvPr id="14" name="Picture Placeholder 13" descr="A white cone shaped object with text&#10;&#10;Description automatically generated">
+            <a:extLst>
+              <a:ext uri="{FF2B5EF4-FFF2-40B4-BE49-F238E27FC236}">
+                <a16:creationId xmlns:a16="http://schemas.microsoft.com/office/drawing/2014/main" id="{22C4BB55-BC90-C450-AF61-25A08A3CC640}"/>
+              </a:ext>
+            </a:extLst>
+          </p:cNvPr>
+          <p:cNvPicPr>
+            <a:picLocks noGrp="1" noChangeAspect="1"/>
+          </p:cNvPicPr>
+          <p:nvPr>
+            <p:ph type="pic" sz="quarter" idx="22"/>
+          </p:nvPr>
+        </p:nvPicPr>
+        <p:blipFill rotWithShape="1">
+          <a:blip r:embed="rId7"/>
+          <a:srcRect t="-736" b="223"/>
+          <a:stretch/>
+        </p:blipFill>
+        <p:spPr>
+          <a:xfrm>
+            <a:off x="1985628" y="26004079"/>
+            <a:ext cx="4832507" cy="8644303"/>
+          </a:xfrm>
+        </p:spPr>
+      </p:pic>
+      <p:pic>
+        <p:nvPicPr>
+          <p:cNvPr id="16" name="Picture 15" descr="A colorful squares with numbers and lines&#10;&#10;Description automatically generated with medium confidence">
+            <a:extLst>
+              <a:ext uri="{FF2B5EF4-FFF2-40B4-BE49-F238E27FC236}">
+                <a16:creationId xmlns:a16="http://schemas.microsoft.com/office/drawing/2014/main" id="{7D06CD32-D757-DEA4-6286-084A03528BA1}"/>
+              </a:ext>
+            </a:extLst>
+          </p:cNvPr>
+          <p:cNvPicPr>
+            <a:picLocks noChangeAspect="1"/>
+          </p:cNvPicPr>
+          <p:nvPr/>
+        </p:nvPicPr>
+        <p:blipFill>
+          <a:blip r:embed="rId8"/>
+          <a:stretch>
+            <a:fillRect/>
+          </a:stretch>
+        </p:blipFill>
+        <p:spPr>
+          <a:xfrm>
+            <a:off x="7310480" y="25544485"/>
+            <a:ext cx="6346496" cy="4759872"/>
+          </a:xfrm>
+          <a:prstGeom prst="rect">
+            <a:avLst/>
+          </a:prstGeom>
+        </p:spPr>
+      </p:pic>
+      <p:pic>
+        <p:nvPicPr>
+          <p:cNvPr id="21" name="Picture 20" descr="A colorful square with numbers and lines&#10;&#10;Description automatically generated with medium confidence">
+            <a:extLst>
+              <a:ext uri="{FF2B5EF4-FFF2-40B4-BE49-F238E27FC236}">
+                <a16:creationId xmlns:a16="http://schemas.microsoft.com/office/drawing/2014/main" id="{BF9B3142-DD29-3C37-1ABB-8437DC166A60}"/>
+              </a:ext>
+            </a:extLst>
+          </p:cNvPr>
+          <p:cNvPicPr>
+            <a:picLocks noChangeAspect="1"/>
+          </p:cNvPicPr>
+          <p:nvPr/>
+        </p:nvPicPr>
+        <p:blipFill>
+          <a:blip r:embed="rId9"/>
+          <a:stretch>
+            <a:fillRect/>
+          </a:stretch>
+        </p:blipFill>
+        <p:spPr>
+          <a:xfrm>
+            <a:off x="7310481" y="30320390"/>
+            <a:ext cx="6346496" cy="4840866"/>
+          </a:xfrm>
+          <a:prstGeom prst="rect">
+            <a:avLst/>
+          </a:prstGeom>
+        </p:spPr>
+      </p:pic>
+      <p:pic>
+        <p:nvPicPr>
+          <p:cNvPr id="23" name="Picture 22" descr="A blue and yellow logo&#10;&#10;Description automatically generated">
+            <a:extLst>
+              <a:ext uri="{FF2B5EF4-FFF2-40B4-BE49-F238E27FC236}">
+                <a16:creationId xmlns:a16="http://schemas.microsoft.com/office/drawing/2014/main" id="{8DE5E406-3311-AF5B-769F-9B4513A07DFC}"/>
+              </a:ext>
+            </a:extLst>
+          </p:cNvPr>
+          <p:cNvPicPr>
+            <a:picLocks noChangeAspect="1"/>
+          </p:cNvPicPr>
+          <p:nvPr/>
+        </p:nvPicPr>
+        <p:blipFill>
+          <a:blip r:embed="rId10"/>
+          <a:stretch>
+            <a:fillRect/>
+          </a:stretch>
+        </p:blipFill>
+        <p:spPr>
+          <a:xfrm>
+            <a:off x="6232868" y="38208177"/>
+            <a:ext cx="2428511" cy="1070117"/>
+          </a:xfrm>
+          <a:prstGeom prst="rect">
+            <a:avLst/>
+          </a:prstGeom>
+        </p:spPr>
+      </p:pic>
+      <p:pic>
+        <p:nvPicPr>
+          <p:cNvPr id="52" name="Picture 51" descr="A graph of different colors and numbers&#10;&#10;Description automatically generated">
+            <a:extLst>
+              <a:ext uri="{FF2B5EF4-FFF2-40B4-BE49-F238E27FC236}">
+                <a16:creationId xmlns:a16="http://schemas.microsoft.com/office/drawing/2014/main" id="{D3289469-23EE-E68E-5C43-E989EA041273}"/>
+              </a:ext>
+            </a:extLst>
+          </p:cNvPr>
+          <p:cNvPicPr>
+            <a:picLocks noChangeAspect="1"/>
+          </p:cNvPicPr>
+          <p:nvPr/>
+        </p:nvPicPr>
+        <p:blipFill>
+          <a:blip r:embed="rId11"/>
+          <a:stretch>
+            <a:fillRect/>
+          </a:stretch>
+        </p:blipFill>
+        <p:spPr>
+          <a:xfrm>
+            <a:off x="18585696" y="9269473"/>
+            <a:ext cx="7835656" cy="5876742"/>
+          </a:xfrm>
+          <a:prstGeom prst="rect">
+            <a:avLst/>
+          </a:prstGeom>
+        </p:spPr>
+      </p:pic>
+      <p:sp>
+        <p:nvSpPr>
+          <p:cNvPr id="57" name="TextBox 56">
+            <a:extLst>
+              <a:ext uri="{FF2B5EF4-FFF2-40B4-BE49-F238E27FC236}">
+                <a16:creationId xmlns:a16="http://schemas.microsoft.com/office/drawing/2014/main" id="{949C71B4-B09E-D8D6-15EF-4FB0575E0AD0}"/>
+              </a:ext>
+            </a:extLst>
+          </p:cNvPr>
+          <p:cNvSpPr txBox="1"/>
+          <p:nvPr/>
+        </p:nvSpPr>
+        <p:spPr>
+          <a:xfrm>
+            <a:off x="15918168" y="15381281"/>
+            <a:ext cx="13170712" cy="1569660"/>
+          </a:xfrm>
+          <a:prstGeom prst="rect">
+            <a:avLst/>
+          </a:prstGeom>
+          <a:noFill/>
+        </p:spPr>
+        <p:txBody>
+          <a:bodyPr wrap="square" rtlCol="0">
+            <a:spAutoFit/>
+          </a:bodyPr>
+          <a:lstStyle/>
+          <a:p>
+            <a:r>
+              <a:rPr lang="en-US" sz="3200" b="1" dirty="0">
+                <a:solidFill>
+                  <a:schemeClr val="accent1"/>
+                </a:solidFill>
+              </a:rPr>
+              <a:t>The effect of the radius of the blackbody absorber and SNSPD mount were investigated using an unphysically large SNSPD. A minimum was not consistently observed at the focus, but a valley is seen.</a:t>
+            </a:r>
+          </a:p>
+        </p:txBody>
+      </p:sp>
+      <p:grpSp>
+        <p:nvGrpSpPr>
+          <p:cNvPr id="75" name="Group 74">
+            <a:extLst>
+              <a:ext uri="{FF2B5EF4-FFF2-40B4-BE49-F238E27FC236}">
+                <a16:creationId xmlns:a16="http://schemas.microsoft.com/office/drawing/2014/main" id="{F85E045B-87AE-D079-49A6-A0D3BA3100F6}"/>
+              </a:ext>
+            </a:extLst>
+          </p:cNvPr>
+          <p:cNvGrpSpPr/>
+          <p:nvPr/>
+        </p:nvGrpSpPr>
+        <p:grpSpPr>
+          <a:xfrm>
+            <a:off x="15935894" y="19707893"/>
+            <a:ext cx="13407455" cy="2171700"/>
+            <a:chOff x="16266795" y="19570708"/>
+            <a:chExt cx="13407455" cy="2171700"/>
+          </a:xfrm>
+        </p:grpSpPr>
+        <p:pic>
+          <p:nvPicPr>
+            <p:cNvPr id="68" name="Picture 67" descr="A green rectangle with black text&#10;&#10;Description automatically generated">
+              <a:extLst>
+                <a:ext uri="{FF2B5EF4-FFF2-40B4-BE49-F238E27FC236}">
+                  <a16:creationId xmlns:a16="http://schemas.microsoft.com/office/drawing/2014/main" id="{1A57AFF8-AF96-48FC-795B-2BF6E2F362BD}"/>
+                </a:ext>
+              </a:extLst>
+            </p:cNvPr>
+            <p:cNvPicPr>
+              <a:picLocks noChangeAspect="1"/>
+            </p:cNvPicPr>
+            <p:nvPr/>
+          </p:nvPicPr>
+          <p:blipFill>
+            <a:blip r:embed="rId12"/>
+            <a:stretch>
+              <a:fillRect/>
+            </a:stretch>
+          </p:blipFill>
+          <p:spPr>
+            <a:xfrm>
+              <a:off x="16266795" y="19570708"/>
+              <a:ext cx="7019925" cy="2171700"/>
+            </a:xfrm>
+            <a:prstGeom prst="rect">
+              <a:avLst/>
+            </a:prstGeom>
+          </p:spPr>
+        </p:pic>
+        <p:pic>
+          <p:nvPicPr>
+            <p:cNvPr id="70" name="Picture 69">
+              <a:extLst>
+                <a:ext uri="{FF2B5EF4-FFF2-40B4-BE49-F238E27FC236}">
+                  <a16:creationId xmlns:a16="http://schemas.microsoft.com/office/drawing/2014/main" id="{C53F6028-3634-96B8-817A-A13EE6458B4F}"/>
+                </a:ext>
+              </a:extLst>
+            </p:cNvPr>
+            <p:cNvPicPr>
+              <a:picLocks noChangeAspect="1"/>
+            </p:cNvPicPr>
+            <p:nvPr/>
+          </p:nvPicPr>
+          <p:blipFill>
+            <a:blip r:embed="rId13"/>
+            <a:stretch>
+              <a:fillRect/>
+            </a:stretch>
+          </p:blipFill>
+          <p:spPr>
+            <a:xfrm>
+              <a:off x="23872715" y="19602535"/>
+              <a:ext cx="5801535" cy="1991003"/>
+            </a:xfrm>
+            <a:prstGeom prst="rect">
+              <a:avLst/>
+            </a:prstGeom>
+          </p:spPr>
+        </p:pic>
+        <p:pic>
+          <p:nvPicPr>
+            <p:cNvPr id="74" name="Picture 73">
+              <a:extLst>
+                <a:ext uri="{FF2B5EF4-FFF2-40B4-BE49-F238E27FC236}">
+                  <a16:creationId xmlns:a16="http://schemas.microsoft.com/office/drawing/2014/main" id="{573906EB-E88D-AEE6-53C6-2A89670E79F3}"/>
+                </a:ext>
+              </a:extLst>
+            </p:cNvPr>
+            <p:cNvPicPr>
+              <a:picLocks noChangeAspect="1"/>
+            </p:cNvPicPr>
+            <p:nvPr/>
+          </p:nvPicPr>
+          <p:blipFill>
+            <a:blip r:embed="rId14"/>
+            <a:stretch>
+              <a:fillRect/>
+            </a:stretch>
+          </p:blipFill>
+          <p:spPr>
+            <a:xfrm>
+              <a:off x="22430864" y="20402030"/>
+              <a:ext cx="914528" cy="333422"/>
+            </a:xfrm>
+            <a:prstGeom prst="rect">
+              <a:avLst/>
+            </a:prstGeom>
+          </p:spPr>
+        </p:pic>
+      </p:grpSp>
+      <p:sp>
+        <p:nvSpPr>
+          <p:cNvPr id="77" name="Text Placeholder 8">
+            <a:extLst>
+              <a:ext uri="{FF2B5EF4-FFF2-40B4-BE49-F238E27FC236}">
+                <a16:creationId xmlns:a16="http://schemas.microsoft.com/office/drawing/2014/main" id="{41AE9610-0768-8F56-9804-68EB02CA0C30}"/>
+              </a:ext>
+            </a:extLst>
+          </p:cNvPr>
+          <p:cNvSpPr txBox="1">
+            <a:spLocks/>
+          </p:cNvSpPr>
+          <p:nvPr/>
+        </p:nvSpPr>
+        <p:spPr>
+          <a:xfrm>
+            <a:off x="15625828" y="27825519"/>
+            <a:ext cx="13761720" cy="1229584"/>
+          </a:xfrm>
+          <a:prstGeom prst="rect">
+            <a:avLst/>
+          </a:prstGeom>
+        </p:spPr>
+        <p:txBody>
+          <a:bodyPr vert="horz" anchor="ctr" anchorCtr="0"/>
+          <a:lstStyle>
+            <a:lvl1pPr marL="0" indent="0" algn="l" defTabSz="457200" rtl="0" eaLnBrk="1" latinLnBrk="0" hangingPunct="1">
+              <a:spcBef>
+                <a:spcPct val="20000"/>
+              </a:spcBef>
+              <a:buFontTx/>
+              <a:buNone/>
+              <a:defRPr sz="5000" b="1" i="0" kern="1200" baseline="0">
+                <a:solidFill>
+                  <a:srgbClr val="004C97"/>
+                </a:solidFill>
+                <a:latin typeface="Helvetica"/>
+                <a:ea typeface="+mn-ea"/>
+                <a:cs typeface="+mn-cs"/>
+              </a:defRPr>
+            </a:lvl1pPr>
+            <a:lvl2pPr marL="0" indent="0" algn="l" defTabSz="457200" rtl="0" eaLnBrk="1" latinLnBrk="0" hangingPunct="1">
+              <a:spcBef>
+                <a:spcPct val="20000"/>
+              </a:spcBef>
+              <a:buFontTx/>
+              <a:buNone/>
+              <a:defRPr sz="4000" b="0" i="0" kern="1200" baseline="0">
+                <a:solidFill>
+                  <a:schemeClr val="tx1"/>
+                </a:solidFill>
+                <a:latin typeface="Helvetica"/>
+                <a:ea typeface="+mn-ea"/>
+                <a:cs typeface="+mn-cs"/>
+              </a:defRPr>
+            </a:lvl2pPr>
+            <a:lvl3pPr marL="0" indent="0" algn="l" defTabSz="457200" rtl="0" eaLnBrk="1" latinLnBrk="0" hangingPunct="1">
+              <a:spcBef>
+                <a:spcPct val="20000"/>
+              </a:spcBef>
+              <a:buFontTx/>
+              <a:buNone/>
+              <a:defRPr sz="6000" b="1" i="0" kern="1200" baseline="0">
+                <a:solidFill>
+                  <a:srgbClr val="004C97"/>
+                </a:solidFill>
+                <a:latin typeface="Helvetica"/>
+                <a:ea typeface="+mn-ea"/>
+                <a:cs typeface="+mn-cs"/>
+              </a:defRPr>
+            </a:lvl3pPr>
+            <a:lvl4pPr marL="0" indent="0" algn="l" defTabSz="457200" rtl="0" eaLnBrk="1" latinLnBrk="0" hangingPunct="1">
+              <a:spcBef>
+                <a:spcPct val="20000"/>
+              </a:spcBef>
+              <a:buFontTx/>
+              <a:buNone/>
+              <a:defRPr sz="6000" b="1" i="0" kern="1200" baseline="0">
+                <a:solidFill>
+                  <a:srgbClr val="004C97"/>
+                </a:solidFill>
+                <a:latin typeface="Helvetica"/>
+                <a:ea typeface="+mn-ea"/>
+                <a:cs typeface="+mn-cs"/>
+              </a:defRPr>
+            </a:lvl4pPr>
+            <a:lvl5pPr marL="0" indent="0" algn="l" defTabSz="457200" rtl="0" eaLnBrk="1" latinLnBrk="0" hangingPunct="1">
+              <a:spcBef>
+                <a:spcPct val="20000"/>
+              </a:spcBef>
+              <a:buFontTx/>
+              <a:buNone/>
+              <a:defRPr sz="6000" b="1" i="0" kern="1200" baseline="0">
+                <a:solidFill>
+                  <a:srgbClr val="004C97"/>
+                </a:solidFill>
+                <a:latin typeface="Helvetica"/>
+                <a:ea typeface="+mn-ea"/>
+                <a:cs typeface="+mn-cs"/>
+              </a:defRPr>
+            </a:lvl5pPr>
+            <a:lvl6pPr marL="2514600" indent="-228600" algn="l" defTabSz="457200" rtl="0" eaLnBrk="1" latinLnBrk="0" hangingPunct="1">
+              <a:spcBef>
+                <a:spcPct val="20000"/>
+              </a:spcBef>
+              <a:buFont typeface="Arial"/>
+              <a:buChar char="•"/>
+              <a:defRPr sz="2000" kern="1200">
+                <a:solidFill>
+                  <a:schemeClr val="tx1"/>
+                </a:solidFill>
+                <a:latin typeface="+mn-lt"/>
+                <a:ea typeface="+mn-ea"/>
+                <a:cs typeface="+mn-cs"/>
+              </a:defRPr>
+            </a:lvl6pPr>
+            <a:lvl7pPr marL="2971800" indent="-228600" algn="l" defTabSz="457200" rtl="0" eaLnBrk="1" latinLnBrk="0" hangingPunct="1">
+              <a:spcBef>
+                <a:spcPct val="20000"/>
+              </a:spcBef>
+              <a:buFont typeface="Arial"/>
+              <a:buChar char="•"/>
+              <a:defRPr sz="2000" kern="1200">
+                <a:solidFill>
+                  <a:schemeClr val="tx1"/>
+                </a:solidFill>
+                <a:latin typeface="+mn-lt"/>
+                <a:ea typeface="+mn-ea"/>
+                <a:cs typeface="+mn-cs"/>
+              </a:defRPr>
+            </a:lvl7pPr>
+            <a:lvl8pPr marL="3429000" indent="-228600" algn="l" defTabSz="457200" rtl="0" eaLnBrk="1" latinLnBrk="0" hangingPunct="1">
+              <a:spcBef>
+                <a:spcPct val="20000"/>
+              </a:spcBef>
+              <a:buFont typeface="Arial"/>
+              <a:buChar char="•"/>
+              <a:defRPr sz="2000" kern="1200">
+                <a:solidFill>
+                  <a:schemeClr val="tx1"/>
+                </a:solidFill>
+                <a:latin typeface="+mn-lt"/>
+                <a:ea typeface="+mn-ea"/>
+                <a:cs typeface="+mn-cs"/>
+              </a:defRPr>
+            </a:lvl8pPr>
+            <a:lvl9pPr marL="3886200" indent="-228600" algn="l" defTabSz="457200" rtl="0" eaLnBrk="1" latinLnBrk="0" hangingPunct="1">
+              <a:spcBef>
+                <a:spcPct val="20000"/>
+              </a:spcBef>
+              <a:buFont typeface="Arial"/>
+              <a:buChar char="•"/>
+              <a:defRPr sz="2000" kern="1200">
+                <a:solidFill>
+                  <a:schemeClr val="tx1"/>
+                </a:solidFill>
+                <a:latin typeface="+mn-lt"/>
+                <a:ea typeface="+mn-ea"/>
+                <a:cs typeface="+mn-cs"/>
+              </a:defRPr>
+            </a:lvl9pPr>
+          </a:lstStyle>
+          <a:p>
+            <a:pPr algn="ctr" fontAlgn="auto">
+              <a:spcAft>
+                <a:spcPts val="0"/>
+              </a:spcAft>
+            </a:pPr>
+            <a:r>
+              <a:rPr lang="en-US" sz="5500" dirty="0">
+                <a:latin typeface="+mj-lt"/>
+              </a:rPr>
+              <a:t>Realistic Scale Simulations</a:t>
+            </a:r>
+          </a:p>
+        </p:txBody>
+      </p:sp>
+      <p:pic>
+        <p:nvPicPr>
+          <p:cNvPr id="79" name="Picture 78" descr="A graph with blue dots&#10;&#10;Description automatically generated">
+            <a:extLst>
+              <a:ext uri="{FF2B5EF4-FFF2-40B4-BE49-F238E27FC236}">
+                <a16:creationId xmlns:a16="http://schemas.microsoft.com/office/drawing/2014/main" id="{3325D723-B23D-81A0-4024-1B1CA0B9A17C}"/>
+              </a:ext>
+            </a:extLst>
+          </p:cNvPr>
+          <p:cNvPicPr>
+            <a:picLocks noChangeAspect="1"/>
+          </p:cNvPicPr>
+          <p:nvPr/>
+        </p:nvPicPr>
+        <p:blipFill>
+          <a:blip r:embed="rId15"/>
+          <a:stretch>
+            <a:fillRect/>
+          </a:stretch>
+        </p:blipFill>
+        <p:spPr>
+          <a:xfrm>
+            <a:off x="15390780" y="29055103"/>
+            <a:ext cx="7010400" cy="5257800"/>
+          </a:xfrm>
+          <a:prstGeom prst="rect">
+            <a:avLst/>
+          </a:prstGeom>
+        </p:spPr>
+      </p:pic>
+      <p:pic>
+        <p:nvPicPr>
+          <p:cNvPr id="81" name="Picture 80" descr="A graph with blue dots and black text&#10;&#10;Description automatically generated">
+            <a:extLst>
+              <a:ext uri="{FF2B5EF4-FFF2-40B4-BE49-F238E27FC236}">
+                <a16:creationId xmlns:a16="http://schemas.microsoft.com/office/drawing/2014/main" id="{F2678933-904D-863D-DBF0-7CE18B74F715}"/>
+              </a:ext>
+            </a:extLst>
+          </p:cNvPr>
+          <p:cNvPicPr>
+            <a:picLocks noChangeAspect="1"/>
+          </p:cNvPicPr>
+          <p:nvPr/>
+        </p:nvPicPr>
+        <p:blipFill>
+          <a:blip r:embed="rId16"/>
+          <a:stretch>
+            <a:fillRect/>
+          </a:stretch>
+        </p:blipFill>
+        <p:spPr>
+          <a:xfrm>
+            <a:off x="22275827" y="29074948"/>
+            <a:ext cx="7010400" cy="5257800"/>
+          </a:xfrm>
+          <a:prstGeom prst="rect">
+            <a:avLst/>
+          </a:prstGeom>
+        </p:spPr>
+      </p:pic>
+      <p:sp>
+        <p:nvSpPr>
+          <p:cNvPr id="84" name="TextBox 83">
+            <a:extLst>
+              <a:ext uri="{FF2B5EF4-FFF2-40B4-BE49-F238E27FC236}">
+                <a16:creationId xmlns:a16="http://schemas.microsoft.com/office/drawing/2014/main" id="{44F34D09-1890-35B2-3524-5D70253D05A6}"/>
+              </a:ext>
+            </a:extLst>
+          </p:cNvPr>
+          <p:cNvSpPr txBox="1"/>
+          <p:nvPr/>
+        </p:nvSpPr>
+        <p:spPr>
+          <a:xfrm>
+            <a:off x="15642867" y="34471618"/>
+            <a:ext cx="13828719" cy="584775"/>
+          </a:xfrm>
+          <a:prstGeom prst="rect">
+            <a:avLst/>
+          </a:prstGeom>
+          <a:noFill/>
+        </p:spPr>
+        <p:txBody>
+          <a:bodyPr wrap="square" rtlCol="0">
+            <a:spAutoFit/>
+          </a:bodyPr>
+          <a:lstStyle/>
+          <a:p>
+            <a:pPr algn="ctr"/>
+            <a:r>
+              <a:rPr lang="en-US" sz="3200" dirty="0">
+                <a:solidFill>
+                  <a:schemeClr val="accent1"/>
+                </a:solidFill>
+              </a:rPr>
+              <a:t>Throw the old model out; calibration expectation confirmed to within 50 microns!</a:t>
+            </a:r>
+            <a:endParaRPr lang="en-US" sz="3200" b="1" dirty="0">
+              <a:solidFill>
+                <a:schemeClr val="accent1"/>
+              </a:solidFill>
+            </a:endParaRPr>
+          </a:p>
+        </p:txBody>
+      </p:sp>
+      <p:sp>
+        <p:nvSpPr>
+          <p:cNvPr id="87" name="TextBox 86">
+            <a:extLst>
+              <a:ext uri="{FF2B5EF4-FFF2-40B4-BE49-F238E27FC236}">
+                <a16:creationId xmlns:a16="http://schemas.microsoft.com/office/drawing/2014/main" id="{5144A636-7617-B98D-7E97-1D70E9D87305}"/>
+              </a:ext>
+            </a:extLst>
+          </p:cNvPr>
+          <p:cNvSpPr txBox="1"/>
+          <p:nvPr/>
+        </p:nvSpPr>
+        <p:spPr>
+          <a:xfrm>
+            <a:off x="15905013" y="35893068"/>
+            <a:ext cx="13179901" cy="1815882"/>
+          </a:xfrm>
+          <a:prstGeom prst="rect">
+            <a:avLst/>
+          </a:prstGeom>
+          <a:noFill/>
+        </p:spPr>
+        <p:txBody>
+          <a:bodyPr wrap="square" rtlCol="0">
+            <a:spAutoFit/>
+          </a:bodyPr>
+          <a:lstStyle/>
+          <a:p>
+            <a:r>
+              <a:rPr lang="en-US" sz="1600" dirty="0">
+                <a:latin typeface="+mj-lt"/>
+              </a:rPr>
+              <a:t>[1] </a:t>
+            </a:r>
+            <a:r>
+              <a:rPr lang="en-US" sz="1600" dirty="0">
+                <a:effectLst/>
+                <a:latin typeface="+mj-lt"/>
+              </a:rPr>
+              <a:t>R. D. Peccei and H. R. Quinn, “CP conservation in the presence of </a:t>
+            </a:r>
+            <a:r>
+              <a:rPr lang="en-US" sz="1600" dirty="0" err="1">
+                <a:effectLst/>
+                <a:latin typeface="+mj-lt"/>
+              </a:rPr>
+              <a:t>pseudoparticles</a:t>
+            </a:r>
+            <a:r>
+              <a:rPr lang="en-US" sz="1600" dirty="0">
+                <a:effectLst/>
+                <a:latin typeface="+mj-lt"/>
+              </a:rPr>
+              <a:t>,” Phys. Rev. Lett. 38, 1440–1443 (1977).</a:t>
+            </a:r>
+          </a:p>
+          <a:p>
+            <a:r>
+              <a:rPr lang="en-US" sz="1600" dirty="0">
+                <a:latin typeface="+mj-lt"/>
+              </a:rPr>
+              <a:t>[2] </a:t>
+            </a:r>
+            <a:r>
+              <a:rPr lang="en-US" sz="1600" dirty="0">
+                <a:effectLst/>
+                <a:latin typeface="+mj-lt"/>
+              </a:rPr>
+              <a:t>R. D. Peccei and H. R. Quinn, “Constraints imposed by CP conservation in the presence of </a:t>
+            </a:r>
+            <a:r>
+              <a:rPr lang="en-US" sz="1600" dirty="0" err="1">
+                <a:effectLst/>
+                <a:latin typeface="+mj-lt"/>
+              </a:rPr>
+              <a:t>pseudoparticles</a:t>
+            </a:r>
+            <a:r>
+              <a:rPr lang="en-US" sz="1600" dirty="0">
+                <a:effectLst/>
+                <a:latin typeface="+mj-lt"/>
+              </a:rPr>
+              <a:t>,” Phys. Rev. D 16, 1791–1797 (1977).</a:t>
+            </a:r>
+            <a:endParaRPr lang="en-US" sz="1600" dirty="0">
+              <a:latin typeface="+mj-lt"/>
+            </a:endParaRPr>
+          </a:p>
+          <a:p>
+            <a:r>
+              <a:rPr lang="en-US" sz="1600" dirty="0">
+                <a:latin typeface="+mj-lt"/>
+              </a:rPr>
+              <a:t>[3]</a:t>
+            </a:r>
+            <a:r>
+              <a:rPr lang="en-US" sz="1600" dirty="0">
+                <a:effectLst/>
+                <a:latin typeface="+mj-lt"/>
+              </a:rPr>
+              <a:t> S. Weinberg, “A new light boson?” Phys. Rev. Lett. 40, 223–226 (1978).</a:t>
+            </a:r>
+          </a:p>
+          <a:p>
+            <a:r>
+              <a:rPr lang="en-US" sz="1600" dirty="0">
+                <a:latin typeface="+mj-lt"/>
+              </a:rPr>
+              <a:t>[4] </a:t>
+            </a:r>
+            <a:r>
+              <a:rPr lang="en-US" sz="1600" dirty="0">
+                <a:effectLst/>
+                <a:latin typeface="+mj-lt"/>
+              </a:rPr>
+              <a:t>F. </a:t>
+            </a:r>
+            <a:r>
+              <a:rPr lang="en-US" sz="1600" dirty="0" err="1">
+                <a:effectLst/>
+                <a:latin typeface="+mj-lt"/>
+              </a:rPr>
+              <a:t>Wilczek</a:t>
+            </a:r>
+            <a:r>
+              <a:rPr lang="en-US" sz="1600" dirty="0">
+                <a:effectLst/>
+                <a:latin typeface="+mj-lt"/>
+              </a:rPr>
+              <a:t>, “Problem of Strong P and T Invariance in the Presence of Instantons,” Phys. Rev. Lett. 40, 279–282 (1978).</a:t>
+            </a:r>
+          </a:p>
+          <a:p>
+            <a:r>
+              <a:rPr lang="en-US" sz="1600" dirty="0">
+                <a:latin typeface="+mj-lt"/>
+              </a:rPr>
+              <a:t>[5] </a:t>
+            </a:r>
+            <a:r>
+              <a:rPr lang="en-US" sz="1600" dirty="0">
+                <a:effectLst/>
+                <a:latin typeface="+mj-lt"/>
+              </a:rPr>
+              <a:t>M. Dine, W. </a:t>
+            </a:r>
+            <a:r>
+              <a:rPr lang="en-US" sz="1600" dirty="0" err="1">
+                <a:effectLst/>
+                <a:latin typeface="+mj-lt"/>
+              </a:rPr>
+              <a:t>Fischler</a:t>
+            </a:r>
+            <a:r>
+              <a:rPr lang="en-US" sz="1600" dirty="0">
+                <a:effectLst/>
+                <a:latin typeface="+mj-lt"/>
+              </a:rPr>
+              <a:t>, and M. </a:t>
+            </a:r>
+            <a:r>
+              <a:rPr lang="en-US" sz="1600" dirty="0" err="1">
+                <a:effectLst/>
+                <a:latin typeface="+mj-lt"/>
+              </a:rPr>
+              <a:t>Srednicki</a:t>
+            </a:r>
+            <a:r>
+              <a:rPr lang="en-US" sz="1600" dirty="0">
+                <a:effectLst/>
+                <a:latin typeface="+mj-lt"/>
+              </a:rPr>
+              <a:t>, “A simple solution to the strong CP problem with a harmless axion,” Physics Letters B 104, 199–202 (1981).</a:t>
+            </a:r>
+            <a:endParaRPr lang="en-US" sz="1600" dirty="0">
+              <a:latin typeface="+mj-lt"/>
+            </a:endParaRPr>
+          </a:p>
+          <a:p>
+            <a:r>
+              <a:rPr lang="en-US" sz="1600" dirty="0">
+                <a:latin typeface="+mj-lt"/>
+              </a:rPr>
+              <a:t>[6] S. </a:t>
+            </a:r>
+            <a:r>
+              <a:rPr lang="en-US" sz="1600" dirty="0" err="1">
+                <a:latin typeface="+mj-lt"/>
+              </a:rPr>
+              <a:t>Knirck</a:t>
+            </a:r>
+            <a:r>
+              <a:rPr lang="en-US" sz="1600" dirty="0">
+                <a:latin typeface="+mj-lt"/>
+              </a:rPr>
+              <a:t>, et.al. (BREAD Collaboration)</a:t>
+            </a:r>
+            <a:r>
+              <a:rPr lang="en-US" sz="1600" dirty="0">
+                <a:effectLst/>
+                <a:latin typeface="+mj-lt"/>
+              </a:rPr>
+              <a:t>, “First results from a broadband search for dark photon dark matter in the 44 to 52 </a:t>
+            </a:r>
+            <a:r>
+              <a:rPr lang="en-US" sz="1600" dirty="0" err="1">
+                <a:effectLst/>
+                <a:latin typeface="+mj-lt"/>
+              </a:rPr>
+              <a:t>μeV</a:t>
+            </a:r>
+            <a:r>
+              <a:rPr lang="en-US" sz="1600" dirty="0">
+                <a:effectLst/>
+                <a:latin typeface="+mj-lt"/>
+              </a:rPr>
+              <a:t> range with a coaxial dish antenna,” Phys. Rev. Lett. 132, 131004 (2024).</a:t>
+            </a:r>
+            <a:endParaRPr lang="en-US" sz="1600" dirty="0">
+              <a:latin typeface="+mj-lt"/>
+            </a:endParaRPr>
+          </a:p>
+        </p:txBody>
+      </p:sp>
     </p:spTree>
     <p:extLst>
       <p:ext uri="{BB962C8B-B14F-4D97-AF65-F5344CB8AC3E}">

--- a/suli-poster.pptx
+++ b/suli-poster.pptx
@@ -217,27 +217,6 @@
 <p188:authorLst xmlns:a="http://schemas.openxmlformats.org/drawingml/2006/main" xmlns:r="http://schemas.openxmlformats.org/officeDocument/2006/relationships" xmlns:p188="http://schemas.microsoft.com/office/powerpoint/2018/8/main">
   <p188:author id="{AD2D006A-A5FE-D279-890A-FC0BC62003E3}" name="Shardul G Rao" initials="SR" userId="S::rao00091@umn.edu::d85bd64a-3b1e-46b5-bb0b-35b3129decf0" providerId="AD"/>
 </p188:authorLst>
-</file>
-
-<file path=ppt/comments/modernComment_107_F5D28FE9.xml><?xml version="1.0" encoding="utf-8"?>
-<p188:cmLst xmlns:a="http://schemas.openxmlformats.org/drawingml/2006/main" xmlns:r="http://schemas.openxmlformats.org/officeDocument/2006/relationships" xmlns:p188="http://schemas.microsoft.com/office/powerpoint/2018/8/main">
-  <p188:cm id="{27A3DE6F-7CBB-47C0-9C4E-67EAE57A45CF}" authorId="{AD2D006A-A5FE-D279-890A-FC0BC62003E3}" created="2024-07-19T19:36:53.491">
-    <pc:sldMkLst xmlns:pc="http://schemas.microsoft.com/office/powerpoint/2013/main/command">
-      <pc:docMk/>
-      <pc:sldMk cId="4124217321" sldId="263"/>
-    </pc:sldMkLst>
-    <p188:txBody>
-      <a:bodyPr/>
-      <a:lstStyle/>
-      <a:p>
-        <a:r>
-          <a:rPr lang="en-US"/>
-          <a:t>This picture will have to be changed</a:t>
-        </a:r>
-      </a:p>
-    </p188:txBody>
-  </p188:cm>
-</p188:cmLst>
 </file>
 
 <file path=ppt/slideLayouts/slideLayout1.xml><?xml version="1.0" encoding="utf-8"?>
@@ -1796,7 +1775,7 @@
           </p:nvPr>
         </p:nvPicPr>
         <p:blipFill>
-          <a:blip r:embed="rId3">
+          <a:blip r:embed="rId2">
             <a:extLst>
               <a:ext uri="{28A0092B-C50C-407E-A947-70E740481C1C}">
                 <a14:useLocalDpi xmlns:a14="http://schemas.microsoft.com/office/drawing/2010/main" val="0"/>
@@ -2496,7 +2475,7 @@
           </p:nvPr>
         </p:nvPicPr>
         <p:blipFill rotWithShape="1">
-          <a:blip r:embed="rId4"/>
+          <a:blip r:embed="rId3"/>
           <a:srcRect t="17" b="688"/>
           <a:stretch/>
         </p:blipFill>
@@ -2561,7 +2540,7 @@
           <p:nvPr/>
         </p:nvPicPr>
         <p:blipFill>
-          <a:blip r:embed="rId5"/>
+          <a:blip r:embed="rId4"/>
           <a:stretch>
             <a:fillRect/>
           </a:stretch>
@@ -3403,14 +3382,14 @@
           <p:nvPr/>
         </p:nvPicPr>
         <p:blipFill>
-          <a:blip r:embed="rId6"/>
+          <a:blip r:embed="rId5"/>
           <a:stretch>
             <a:fillRect/>
           </a:stretch>
         </p:blipFill>
         <p:spPr>
           <a:xfrm>
-            <a:off x="17767585" y="23010922"/>
+            <a:off x="17694923" y="22975101"/>
             <a:ext cx="9471878" cy="4082359"/>
           </a:xfrm>
           <a:prstGeom prst="rect">
@@ -3435,7 +3414,7 @@
           </p:nvPr>
         </p:nvPicPr>
         <p:blipFill rotWithShape="1">
-          <a:blip r:embed="rId7"/>
+          <a:blip r:embed="rId6"/>
           <a:srcRect t="-736" b="223"/>
           <a:stretch/>
         </p:blipFill>
@@ -3461,7 +3440,7 @@
           <p:nvPr/>
         </p:nvPicPr>
         <p:blipFill>
-          <a:blip r:embed="rId8"/>
+          <a:blip r:embed="rId7"/>
           <a:stretch>
             <a:fillRect/>
           </a:stretch>
@@ -3491,7 +3470,7 @@
           <p:nvPr/>
         </p:nvPicPr>
         <p:blipFill>
-          <a:blip r:embed="rId9"/>
+          <a:blip r:embed="rId8"/>
           <a:stretch>
             <a:fillRect/>
           </a:stretch>
@@ -3521,7 +3500,7 @@
           <p:nvPr/>
         </p:nvPicPr>
         <p:blipFill>
-          <a:blip r:embed="rId10"/>
+          <a:blip r:embed="rId9"/>
           <a:stretch>
             <a:fillRect/>
           </a:stretch>
@@ -3551,7 +3530,7 @@
           <p:nvPr/>
         </p:nvPicPr>
         <p:blipFill>
-          <a:blip r:embed="rId11"/>
+          <a:blip r:embed="rId10"/>
           <a:stretch>
             <a:fillRect/>
           </a:stretch>
@@ -3605,117 +3584,6 @@
           </a:p>
         </p:txBody>
       </p:sp>
-      <p:grpSp>
-        <p:nvGrpSpPr>
-          <p:cNvPr id="75" name="Group 74">
-            <a:extLst>
-              <a:ext uri="{FF2B5EF4-FFF2-40B4-BE49-F238E27FC236}">
-                <a16:creationId xmlns:a16="http://schemas.microsoft.com/office/drawing/2014/main" id="{F85E045B-87AE-D079-49A6-A0D3BA3100F6}"/>
-              </a:ext>
-            </a:extLst>
-          </p:cNvPr>
-          <p:cNvGrpSpPr/>
-          <p:nvPr/>
-        </p:nvGrpSpPr>
-        <p:grpSpPr>
-          <a:xfrm>
-            <a:off x="15935894" y="19707893"/>
-            <a:ext cx="13407455" cy="2171700"/>
-            <a:chOff x="16266795" y="19570708"/>
-            <a:chExt cx="13407455" cy="2171700"/>
-          </a:xfrm>
-        </p:grpSpPr>
-        <p:pic>
-          <p:nvPicPr>
-            <p:cNvPr id="68" name="Picture 67" descr="A green rectangle with black text&#10;&#10;Description automatically generated">
-              <a:extLst>
-                <a:ext uri="{FF2B5EF4-FFF2-40B4-BE49-F238E27FC236}">
-                  <a16:creationId xmlns:a16="http://schemas.microsoft.com/office/drawing/2014/main" id="{1A57AFF8-AF96-48FC-795B-2BF6E2F362BD}"/>
-                </a:ext>
-              </a:extLst>
-            </p:cNvPr>
-            <p:cNvPicPr>
-              <a:picLocks noChangeAspect="1"/>
-            </p:cNvPicPr>
-            <p:nvPr/>
-          </p:nvPicPr>
-          <p:blipFill>
-            <a:blip r:embed="rId12"/>
-            <a:stretch>
-              <a:fillRect/>
-            </a:stretch>
-          </p:blipFill>
-          <p:spPr>
-            <a:xfrm>
-              <a:off x="16266795" y="19570708"/>
-              <a:ext cx="7019925" cy="2171700"/>
-            </a:xfrm>
-            <a:prstGeom prst="rect">
-              <a:avLst/>
-            </a:prstGeom>
-          </p:spPr>
-        </p:pic>
-        <p:pic>
-          <p:nvPicPr>
-            <p:cNvPr id="70" name="Picture 69">
-              <a:extLst>
-                <a:ext uri="{FF2B5EF4-FFF2-40B4-BE49-F238E27FC236}">
-                  <a16:creationId xmlns:a16="http://schemas.microsoft.com/office/drawing/2014/main" id="{C53F6028-3634-96B8-817A-A13EE6458B4F}"/>
-                </a:ext>
-              </a:extLst>
-            </p:cNvPr>
-            <p:cNvPicPr>
-              <a:picLocks noChangeAspect="1"/>
-            </p:cNvPicPr>
-            <p:nvPr/>
-          </p:nvPicPr>
-          <p:blipFill>
-            <a:blip r:embed="rId13"/>
-            <a:stretch>
-              <a:fillRect/>
-            </a:stretch>
-          </p:blipFill>
-          <p:spPr>
-            <a:xfrm>
-              <a:off x="23872715" y="19602535"/>
-              <a:ext cx="5801535" cy="1991003"/>
-            </a:xfrm>
-            <a:prstGeom prst="rect">
-              <a:avLst/>
-            </a:prstGeom>
-          </p:spPr>
-        </p:pic>
-        <p:pic>
-          <p:nvPicPr>
-            <p:cNvPr id="74" name="Picture 73">
-              <a:extLst>
-                <a:ext uri="{FF2B5EF4-FFF2-40B4-BE49-F238E27FC236}">
-                  <a16:creationId xmlns:a16="http://schemas.microsoft.com/office/drawing/2014/main" id="{573906EB-E88D-AEE6-53C6-2A89670E79F3}"/>
-                </a:ext>
-              </a:extLst>
-            </p:cNvPr>
-            <p:cNvPicPr>
-              <a:picLocks noChangeAspect="1"/>
-            </p:cNvPicPr>
-            <p:nvPr/>
-          </p:nvPicPr>
-          <p:blipFill>
-            <a:blip r:embed="rId14"/>
-            <a:stretch>
-              <a:fillRect/>
-            </a:stretch>
-          </p:blipFill>
-          <p:spPr>
-            <a:xfrm>
-              <a:off x="22430864" y="20402030"/>
-              <a:ext cx="914528" cy="333422"/>
-            </a:xfrm>
-            <a:prstGeom prst="rect">
-              <a:avLst/>
-            </a:prstGeom>
-          </p:spPr>
-        </p:pic>
-      </p:grpSp>
       <p:sp>
         <p:nvSpPr>
           <p:cNvPr id="77" name="Text Placeholder 8">
@@ -3908,7 +3776,7 @@
           <p:nvPr/>
         </p:nvPicPr>
         <p:blipFill>
-          <a:blip r:embed="rId15"/>
+          <a:blip r:embed="rId11"/>
           <a:stretch>
             <a:fillRect/>
           </a:stretch>
@@ -3938,7 +3806,7 @@
           <p:nvPr/>
         </p:nvPicPr>
         <p:blipFill>
-          <a:blip r:embed="rId16"/>
+          <a:blip r:embed="rId12"/>
           <a:stretch>
             <a:fillRect/>
           </a:stretch>
@@ -4222,6 +4090,138 @@
           </a:p>
         </p:txBody>
       </p:sp>
+      <p:grpSp>
+        <p:nvGrpSpPr>
+          <p:cNvPr id="5" name="Group 4">
+            <a:extLst>
+              <a:ext uri="{FF2B5EF4-FFF2-40B4-BE49-F238E27FC236}">
+                <a16:creationId xmlns:a16="http://schemas.microsoft.com/office/drawing/2014/main" id="{940D2BE3-38A2-1153-5C9D-5D55137AF358}"/>
+              </a:ext>
+            </a:extLst>
+          </p:cNvPr>
+          <p:cNvGrpSpPr/>
+          <p:nvPr/>
+        </p:nvGrpSpPr>
+        <p:grpSpPr>
+          <a:xfrm>
+            <a:off x="16040917" y="19707893"/>
+            <a:ext cx="12579840" cy="2171700"/>
+            <a:chOff x="15935894" y="19707893"/>
+            <a:chExt cx="12579840" cy="2171700"/>
+          </a:xfrm>
+        </p:grpSpPr>
+        <p:grpSp>
+          <p:nvGrpSpPr>
+            <p:cNvPr id="75" name="Group 74">
+              <a:extLst>
+                <a:ext uri="{FF2B5EF4-FFF2-40B4-BE49-F238E27FC236}">
+                  <a16:creationId xmlns:a16="http://schemas.microsoft.com/office/drawing/2014/main" id="{F85E045B-87AE-D079-49A6-A0D3BA3100F6}"/>
+                </a:ext>
+              </a:extLst>
+            </p:cNvPr>
+            <p:cNvGrpSpPr/>
+            <p:nvPr/>
+          </p:nvGrpSpPr>
+          <p:grpSpPr>
+            <a:xfrm>
+              <a:off x="15935894" y="19707893"/>
+              <a:ext cx="7078597" cy="2171700"/>
+              <a:chOff x="16266795" y="19570708"/>
+              <a:chExt cx="7078597" cy="2171700"/>
+            </a:xfrm>
+          </p:grpSpPr>
+          <p:pic>
+            <p:nvPicPr>
+              <p:cNvPr id="68" name="Picture 67" descr="A green rectangle with black text&#10;&#10;Description automatically generated">
+                <a:extLst>
+                  <a:ext uri="{FF2B5EF4-FFF2-40B4-BE49-F238E27FC236}">
+                    <a16:creationId xmlns:a16="http://schemas.microsoft.com/office/drawing/2014/main" id="{1A57AFF8-AF96-48FC-795B-2BF6E2F362BD}"/>
+                  </a:ext>
+                </a:extLst>
+              </p:cNvPr>
+              <p:cNvPicPr>
+                <a:picLocks noChangeAspect="1"/>
+              </p:cNvPicPr>
+              <p:nvPr/>
+            </p:nvPicPr>
+            <p:blipFill>
+              <a:blip r:embed="rId13"/>
+              <a:stretch>
+                <a:fillRect/>
+              </a:stretch>
+            </p:blipFill>
+            <p:spPr>
+              <a:xfrm>
+                <a:off x="16266795" y="19570708"/>
+                <a:ext cx="7019925" cy="2171700"/>
+              </a:xfrm>
+              <a:prstGeom prst="rect">
+                <a:avLst/>
+              </a:prstGeom>
+            </p:spPr>
+          </p:pic>
+          <p:pic>
+            <p:nvPicPr>
+              <p:cNvPr id="74" name="Picture 73">
+                <a:extLst>
+                  <a:ext uri="{FF2B5EF4-FFF2-40B4-BE49-F238E27FC236}">
+                    <a16:creationId xmlns:a16="http://schemas.microsoft.com/office/drawing/2014/main" id="{573906EB-E88D-AEE6-53C6-2A89670E79F3}"/>
+                  </a:ext>
+                </a:extLst>
+              </p:cNvPr>
+              <p:cNvPicPr>
+                <a:picLocks noChangeAspect="1"/>
+              </p:cNvPicPr>
+              <p:nvPr/>
+            </p:nvPicPr>
+            <p:blipFill>
+              <a:blip r:embed="rId14"/>
+              <a:stretch>
+                <a:fillRect/>
+              </a:stretch>
+            </p:blipFill>
+            <p:spPr>
+              <a:xfrm>
+                <a:off x="22430864" y="20402030"/>
+                <a:ext cx="914528" cy="333422"/>
+              </a:xfrm>
+              <a:prstGeom prst="rect">
+                <a:avLst/>
+              </a:prstGeom>
+            </p:spPr>
+          </p:pic>
+        </p:grpSp>
+        <p:pic>
+          <p:nvPicPr>
+            <p:cNvPr id="4" name="Picture 3">
+              <a:extLst>
+                <a:ext uri="{FF2B5EF4-FFF2-40B4-BE49-F238E27FC236}">
+                  <a16:creationId xmlns:a16="http://schemas.microsoft.com/office/drawing/2014/main" id="{4E9E1AB0-62C4-EA4F-564B-522246B1CDB8}"/>
+                </a:ext>
+              </a:extLst>
+            </p:cNvPr>
+            <p:cNvPicPr>
+              <a:picLocks noChangeAspect="1"/>
+            </p:cNvPicPr>
+            <p:nvPr/>
+          </p:nvPicPr>
+          <p:blipFill>
+            <a:blip r:embed="rId15"/>
+            <a:stretch>
+              <a:fillRect/>
+            </a:stretch>
+          </p:blipFill>
+          <p:spPr>
+            <a:xfrm>
+              <a:off x="23298963" y="19774968"/>
+              <a:ext cx="5216771" cy="1861916"/>
+            </a:xfrm>
+            <a:prstGeom prst="rect">
+              <a:avLst/>
+            </a:prstGeom>
+          </p:spPr>
+        </p:pic>
+      </p:grpSp>
     </p:spTree>
     <p:extLst>
       <p:ext uri="{BB962C8B-B14F-4D97-AF65-F5344CB8AC3E}">
@@ -4232,11 +4232,6 @@
   <p:clrMapOvr>
     <a:masterClrMapping/>
   </p:clrMapOvr>
-  <p:extLst>
-    <p:ext uri="{6950BFC3-D8DA-4A85-94F7-54DA5524770B}">
-      <p188:commentRel xmlns:p188="http://schemas.microsoft.com/office/powerpoint/2018/8/main" r:id="rId2"/>
-    </p:ext>
-  </p:extLst>
 </p:sld>
 </file>
 
